--- a/KARL Presentation_v2.pptx
+++ b/KARL Presentation_v2.pptx
@@ -3564,7 +3564,7 @@
           <a:p>
             <a:fld id="{2A1796B2-CECE-48E9-B3FE-720105A41541}" type="datetimeFigureOut">
               <a:rPr lang="zh-HK" altLang="en-US" smtClean="0"/>
-              <a:t>21/3/2019</a:t>
+              <a:t>23/3/2019</a:t>
             </a:fld>
             <a:endParaRPr lang="zh-HK" altLang="en-US"/>
           </a:p>
@@ -3981,7 +3981,7 @@
           <a:p>
             <a:fld id="{E48831C5-B29B-4C25-8844-0034E87C4BC6}" type="datetime1">
               <a:rPr lang="zh-HK" altLang="en-US" smtClean="0"/>
-              <a:t>21/3/2019</a:t>
+              <a:t>23/3/2019</a:t>
             </a:fld>
             <a:endParaRPr lang="zh-HK" altLang="en-US"/>
           </a:p>
@@ -4181,7 +4181,7 @@
           <a:p>
             <a:fld id="{26092906-0844-4288-A8FB-1A0AFF7F7240}" type="datetime1">
               <a:rPr lang="zh-HK" altLang="en-US" smtClean="0"/>
-              <a:t>21/3/2019</a:t>
+              <a:t>23/3/2019</a:t>
             </a:fld>
             <a:endParaRPr lang="zh-HK" altLang="en-US"/>
           </a:p>
@@ -4391,7 +4391,7 @@
           <a:p>
             <a:fld id="{8326CA5A-A448-4E94-AF68-F9F1CC20894F}" type="datetime1">
               <a:rPr lang="zh-HK" altLang="en-US" smtClean="0"/>
-              <a:t>21/3/2019</a:t>
+              <a:t>23/3/2019</a:t>
             </a:fld>
             <a:endParaRPr lang="zh-HK" altLang="en-US"/>
           </a:p>
@@ -4591,7 +4591,7 @@
           <a:p>
             <a:fld id="{942C5316-E0E8-4F62-A434-791C6A026C4E}" type="datetime1">
               <a:rPr lang="zh-HK" altLang="en-US" smtClean="0"/>
-              <a:t>21/3/2019</a:t>
+              <a:t>23/3/2019</a:t>
             </a:fld>
             <a:endParaRPr lang="zh-HK" altLang="en-US"/>
           </a:p>
@@ -4867,7 +4867,7 @@
           <a:p>
             <a:fld id="{1F26C757-3013-405D-BA55-43C4530FF661}" type="datetime1">
               <a:rPr lang="zh-HK" altLang="en-US" smtClean="0"/>
-              <a:t>21/3/2019</a:t>
+              <a:t>23/3/2019</a:t>
             </a:fld>
             <a:endParaRPr lang="zh-HK" altLang="en-US"/>
           </a:p>
@@ -5135,7 +5135,7 @@
           <a:p>
             <a:fld id="{01D85B7A-80D9-46D8-AD13-BC1A6ED2C9AB}" type="datetime1">
               <a:rPr lang="zh-HK" altLang="en-US" smtClean="0"/>
-              <a:t>21/3/2019</a:t>
+              <a:t>23/3/2019</a:t>
             </a:fld>
             <a:endParaRPr lang="zh-HK" altLang="en-US"/>
           </a:p>
@@ -5550,7 +5550,7 @@
           <a:p>
             <a:fld id="{FB2F315C-99C0-4DC9-8DA1-4CEF9FF5D133}" type="datetime1">
               <a:rPr lang="zh-HK" altLang="en-US" smtClean="0"/>
-              <a:t>21/3/2019</a:t>
+              <a:t>23/3/2019</a:t>
             </a:fld>
             <a:endParaRPr lang="zh-HK" altLang="en-US"/>
           </a:p>
@@ -5692,7 +5692,7 @@
           <a:p>
             <a:fld id="{4DD43159-DC91-466D-BF21-D1290BA69855}" type="datetime1">
               <a:rPr lang="zh-HK" altLang="en-US" smtClean="0"/>
-              <a:t>21/3/2019</a:t>
+              <a:t>23/3/2019</a:t>
             </a:fld>
             <a:endParaRPr lang="zh-HK" altLang="en-US"/>
           </a:p>
@@ -5805,7 +5805,7 @@
           <a:p>
             <a:fld id="{C61BD61E-3050-467B-9CCD-D5DD34C20EBF}" type="datetime1">
               <a:rPr lang="zh-HK" altLang="en-US" smtClean="0"/>
-              <a:t>21/3/2019</a:t>
+              <a:t>23/3/2019</a:t>
             </a:fld>
             <a:endParaRPr lang="zh-HK" altLang="en-US"/>
           </a:p>
@@ -6118,7 +6118,7 @@
           <a:p>
             <a:fld id="{83660766-C753-43D7-99E2-AFC1147051F5}" type="datetime1">
               <a:rPr lang="zh-HK" altLang="en-US" smtClean="0"/>
-              <a:t>21/3/2019</a:t>
+              <a:t>23/3/2019</a:t>
             </a:fld>
             <a:endParaRPr lang="zh-HK" altLang="en-US"/>
           </a:p>
@@ -6407,7 +6407,7 @@
           <a:p>
             <a:fld id="{086D1A1E-33AE-4FB9-A723-29464B340953}" type="datetime1">
               <a:rPr lang="zh-HK" altLang="en-US" smtClean="0"/>
-              <a:t>21/3/2019</a:t>
+              <a:t>23/3/2019</a:t>
             </a:fld>
             <a:endParaRPr lang="zh-HK" altLang="en-US"/>
           </a:p>
@@ -6650,7 +6650,7 @@
           <a:p>
             <a:fld id="{03054368-AAF9-4E5D-9858-94B28A4846B0}" type="datetime1">
               <a:rPr lang="zh-HK" altLang="en-US" smtClean="0"/>
-              <a:t>21/3/2019</a:t>
+              <a:t>23/3/2019</a:t>
             </a:fld>
             <a:endParaRPr lang="zh-HK" altLang="en-US"/>
           </a:p>
@@ -7230,64 +7230,6 @@
               <a:latin typeface="Times New Roman" panose="02020603050405020304" pitchFamily="18" charset="0"/>
               <a:cs typeface="Times New Roman" panose="02020603050405020304" pitchFamily="18" charset="0"/>
             </a:endParaRPr>
-          </a:p>
-        </p:txBody>
-      </p:sp>
-      <p:sp>
-        <p:nvSpPr>
-          <p:cNvPr id="4" name="Rectangle 3">
-            <a:extLst>
-              <a:ext uri="{FF2B5EF4-FFF2-40B4-BE49-F238E27FC236}">
-                <a16:creationId xmlns:a16="http://schemas.microsoft.com/office/drawing/2014/main" id="{008C1AE0-654B-457F-B354-C6799C3CB948}"/>
-              </a:ext>
-            </a:extLst>
-          </p:cNvPr>
-          <p:cNvSpPr/>
-          <p:nvPr/>
-        </p:nvSpPr>
-        <p:spPr>
-          <a:xfrm>
-            <a:off x="0" y="6488668"/>
-            <a:ext cx="12192000" cy="369332"/>
-          </a:xfrm>
-          <a:prstGeom prst="rect">
-            <a:avLst/>
-          </a:prstGeom>
-        </p:spPr>
-        <p:txBody>
-          <a:bodyPr wrap="square">
-            <a:spAutoFit/>
-          </a:bodyPr>
-          <a:lstStyle/>
-          <a:p>
-            <a:r>
-              <a:rPr lang="en-US" altLang="zh-HK" sz="1400" dirty="0">
-                <a:latin typeface="Times New Roman" pitchFamily="18" charset="0"/>
-                <a:cs typeface="Times New Roman" pitchFamily="18" charset="0"/>
-              </a:rPr>
-              <a:t>[1] T. N. Chan, M. L. </a:t>
-            </a:r>
-            <a:r>
-              <a:rPr lang="en-US" altLang="zh-HK" sz="1400" dirty="0" err="1">
-                <a:latin typeface="Times New Roman" pitchFamily="18" charset="0"/>
-                <a:cs typeface="Times New Roman" pitchFamily="18" charset="0"/>
-              </a:rPr>
-              <a:t>Yiu</a:t>
-            </a:r>
-            <a:r>
-              <a:rPr lang="en-US" altLang="zh-HK" sz="1400" dirty="0">
-                <a:latin typeface="Times New Roman" pitchFamily="18" charset="0"/>
-                <a:cs typeface="Times New Roman" pitchFamily="18" charset="0"/>
-              </a:rPr>
-              <a:t> and L. H. U “KARL: Fast Kernel Aggregation Queries” ICDE2019 (To appear)</a:t>
-            </a:r>
-            <a:r>
-              <a:rPr lang="en-US" altLang="zh-HK" dirty="0">
-                <a:latin typeface="Times New Roman" pitchFamily="18" charset="0"/>
-                <a:cs typeface="Times New Roman" pitchFamily="18" charset="0"/>
-              </a:rPr>
-              <a:t> </a:t>
-            </a:r>
           </a:p>
         </p:txBody>
       </p:sp>
@@ -23892,64 +23834,6 @@
           </a:fontRef>
         </p:style>
       </p:cxnSp>
-      <p:sp>
-        <p:nvSpPr>
-          <p:cNvPr id="65" name="Rectangle 64">
-            <a:extLst>
-              <a:ext uri="{FF2B5EF4-FFF2-40B4-BE49-F238E27FC236}">
-                <a16:creationId xmlns:a16="http://schemas.microsoft.com/office/drawing/2014/main" id="{F47A2E0B-8164-4080-9357-A443BD4EB9ED}"/>
-              </a:ext>
-            </a:extLst>
-          </p:cNvPr>
-          <p:cNvSpPr/>
-          <p:nvPr/>
-        </p:nvSpPr>
-        <p:spPr>
-          <a:xfrm>
-            <a:off x="0" y="6488668"/>
-            <a:ext cx="12192000" cy="369332"/>
-          </a:xfrm>
-          <a:prstGeom prst="rect">
-            <a:avLst/>
-          </a:prstGeom>
-        </p:spPr>
-        <p:txBody>
-          <a:bodyPr wrap="square">
-            <a:spAutoFit/>
-          </a:bodyPr>
-          <a:lstStyle/>
-          <a:p>
-            <a:r>
-              <a:rPr lang="en-US" altLang="zh-HK" sz="1400" dirty="0">
-                <a:latin typeface="Times New Roman" pitchFamily="18" charset="0"/>
-                <a:cs typeface="Times New Roman" pitchFamily="18" charset="0"/>
-              </a:rPr>
-              <a:t>[1] T. N. Chan, M. L. </a:t>
-            </a:r>
-            <a:r>
-              <a:rPr lang="en-US" altLang="zh-HK" sz="1400" dirty="0" err="1">
-                <a:latin typeface="Times New Roman" pitchFamily="18" charset="0"/>
-                <a:cs typeface="Times New Roman" pitchFamily="18" charset="0"/>
-              </a:rPr>
-              <a:t>Yiu</a:t>
-            </a:r>
-            <a:r>
-              <a:rPr lang="en-US" altLang="zh-HK" sz="1400" dirty="0">
-                <a:latin typeface="Times New Roman" pitchFamily="18" charset="0"/>
-                <a:cs typeface="Times New Roman" pitchFamily="18" charset="0"/>
-              </a:rPr>
-              <a:t> and L. H. U “KARL: Fast Kernel Aggregation Queries” ICDE2019 (To appear)</a:t>
-            </a:r>
-            <a:r>
-              <a:rPr lang="en-US" altLang="zh-HK" dirty="0">
-                <a:latin typeface="Times New Roman" pitchFamily="18" charset="0"/>
-                <a:cs typeface="Times New Roman" pitchFamily="18" charset="0"/>
-              </a:rPr>
-              <a:t> </a:t>
-            </a:r>
-          </a:p>
-        </p:txBody>
-      </p:sp>
     </p:spTree>
     <p:extLst>
       <p:ext uri="{BB962C8B-B14F-4D97-AF65-F5344CB8AC3E}">
@@ -24021,36 +23905,6 @@
           </a:p>
         </p:txBody>
       </p:sp>
-      <p:pic>
-        <p:nvPicPr>
-          <p:cNvPr id="9" name="Picture 8">
-            <a:extLst>
-              <a:ext uri="{FF2B5EF4-FFF2-40B4-BE49-F238E27FC236}">
-                <a16:creationId xmlns:a16="http://schemas.microsoft.com/office/drawing/2014/main" id="{1E8DC1D5-32D4-457A-AFB7-25C763088289}"/>
-              </a:ext>
-            </a:extLst>
-          </p:cNvPr>
-          <p:cNvPicPr>
-            <a:picLocks noChangeAspect="1"/>
-          </p:cNvPicPr>
-          <p:nvPr/>
-        </p:nvPicPr>
-        <p:blipFill>
-          <a:blip r:embed="rId2"/>
-          <a:stretch>
-            <a:fillRect/>
-          </a:stretch>
-        </p:blipFill>
-        <p:spPr>
-          <a:xfrm>
-            <a:off x="5707747" y="2271693"/>
-            <a:ext cx="6124575" cy="3495675"/>
-          </a:xfrm>
-          <a:prstGeom prst="rect">
-            <a:avLst/>
-          </a:prstGeom>
-        </p:spPr>
-      </p:pic>
       <p:sp>
         <p:nvSpPr>
           <p:cNvPr id="3" name="Slide Number Placeholder 2">
@@ -24136,8 +23990,8 @@
         </p:nvSpPr>
         <p:spPr>
           <a:xfrm>
-            <a:off x="-1" y="5962687"/>
-            <a:ext cx="12192001" cy="954107"/>
+            <a:off x="-1" y="6119336"/>
+            <a:ext cx="12192001" cy="738664"/>
           </a:xfrm>
           <a:prstGeom prst="rect">
             <a:avLst/>
@@ -24214,29 +24068,6 @@
               <a:cs typeface="Times New Roman" panose="02020603050405020304" pitchFamily="18" charset="0"/>
             </a:endParaRPr>
           </a:p>
-          <a:p>
-            <a:r>
-              <a:rPr lang="en-US" altLang="zh-HK" sz="1400" dirty="0">
-                <a:latin typeface="Times New Roman" panose="02020603050405020304" pitchFamily="18" charset="0"/>
-                <a:cs typeface="Times New Roman" panose="02020603050405020304" pitchFamily="18" charset="0"/>
-              </a:rPr>
-              <a:t>[4] T. N. Chan, M. L. </a:t>
-            </a:r>
-            <a:r>
-              <a:rPr lang="en-US" altLang="zh-HK" sz="1400" dirty="0" err="1">
-                <a:latin typeface="Times New Roman" pitchFamily="18" charset="0"/>
-                <a:cs typeface="Times New Roman" pitchFamily="18" charset="0"/>
-              </a:rPr>
-              <a:t>Yiu</a:t>
-            </a:r>
-            <a:r>
-              <a:rPr lang="en-US" altLang="zh-HK" sz="1400" dirty="0">
-                <a:latin typeface="Times New Roman" pitchFamily="18" charset="0"/>
-                <a:cs typeface="Times New Roman" pitchFamily="18" charset="0"/>
-              </a:rPr>
-              <a:t> and L. H. U “KARL: Fast Kernel Aggregation Queries” ICDE2019 (To appear) </a:t>
-            </a:r>
-          </a:p>
         </p:txBody>
       </p:sp>
       <p:sp>
@@ -24254,7 +24085,7 @@
         <p:spPr>
           <a:xfrm>
             <a:off x="439498" y="1201602"/>
-            <a:ext cx="10855279" cy="461665"/>
+            <a:ext cx="10419263" cy="461665"/>
           </a:xfrm>
           <a:prstGeom prst="rect">
             <a:avLst/>
@@ -24330,13 +24161,6 @@
               </a:rPr>
               <a:t>auto</a:t>
             </a:r>
-            <a:r>
-              <a:rPr lang="en-US" altLang="zh-HK" sz="2400" dirty="0">
-                <a:latin typeface="Times New Roman" panose="02020603050405020304" pitchFamily="18" charset="0"/>
-                <a:cs typeface="Times New Roman" panose="02020603050405020304" pitchFamily="18" charset="0"/>
-              </a:rPr>
-              <a:t> [4]</a:t>
-            </a:r>
             <a:endParaRPr lang="zh-HK" altLang="en-US" sz="2400" dirty="0">
               <a:latin typeface="Times New Roman" panose="02020603050405020304" pitchFamily="18" charset="0"/>
               <a:cs typeface="Times New Roman" panose="02020603050405020304" pitchFamily="18" charset="0"/>
@@ -24350,6 +24174,36 @@
             <a:extLst>
               <a:ext uri="{FF2B5EF4-FFF2-40B4-BE49-F238E27FC236}">
                 <a16:creationId xmlns:a16="http://schemas.microsoft.com/office/drawing/2014/main" id="{422DFBE4-BE31-4E58-806A-314C58B87AE4}"/>
+              </a:ext>
+            </a:extLst>
+          </p:cNvPr>
+          <p:cNvPicPr>
+            <a:picLocks noChangeAspect="1"/>
+          </p:cNvPicPr>
+          <p:nvPr/>
+        </p:nvPicPr>
+        <p:blipFill>
+          <a:blip r:embed="rId2"/>
+          <a:stretch>
+            <a:fillRect/>
+          </a:stretch>
+        </p:blipFill>
+        <p:spPr>
+          <a:xfrm>
+            <a:off x="171454" y="2013732"/>
+            <a:ext cx="5295900" cy="3267075"/>
+          </a:xfrm>
+          <a:prstGeom prst="rect">
+            <a:avLst/>
+          </a:prstGeom>
+        </p:spPr>
+      </p:pic>
+      <p:pic>
+        <p:nvPicPr>
+          <p:cNvPr id="10" name="Picture 9">
+            <a:extLst>
+              <a:ext uri="{FF2B5EF4-FFF2-40B4-BE49-F238E27FC236}">
+                <a16:creationId xmlns:a16="http://schemas.microsoft.com/office/drawing/2014/main" id="{4B475ED6-79BA-49EB-9ACF-C420B2B68220}"/>
               </a:ext>
             </a:extLst>
           </p:cNvPr>
@@ -24366,8 +24220,8 @@
         </p:blipFill>
         <p:spPr>
           <a:xfrm>
-            <a:off x="171454" y="2013732"/>
-            <a:ext cx="5295900" cy="3267075"/>
+            <a:off x="5726797" y="2271693"/>
+            <a:ext cx="6105525" cy="3486150"/>
           </a:xfrm>
           <a:prstGeom prst="rect">
             <a:avLst/>
@@ -24447,77 +24301,6 @@
               <a:t>)</a:t>
             </a:r>
             <a:endParaRPr lang="zh-HK" altLang="en-US" dirty="0"/>
-          </a:p>
-        </p:txBody>
-      </p:sp>
-      <p:sp>
-        <p:nvSpPr>
-          <p:cNvPr id="4" name="Rectangle 3">
-            <a:extLst>
-              <a:ext uri="{FF2B5EF4-FFF2-40B4-BE49-F238E27FC236}">
-                <a16:creationId xmlns:a16="http://schemas.microsoft.com/office/drawing/2014/main" id="{2C2A3556-A202-4883-A396-456D7D610862}"/>
-              </a:ext>
-            </a:extLst>
-          </p:cNvPr>
-          <p:cNvSpPr/>
-          <p:nvPr/>
-        </p:nvSpPr>
-        <p:spPr>
-          <a:xfrm>
-            <a:off x="-5156" y="6334780"/>
-            <a:ext cx="12192001" cy="523220"/>
-          </a:xfrm>
-          <a:prstGeom prst="rect">
-            <a:avLst/>
-          </a:prstGeom>
-        </p:spPr>
-        <p:txBody>
-          <a:bodyPr wrap="square">
-            <a:spAutoFit/>
-          </a:bodyPr>
-          <a:lstStyle/>
-          <a:p>
-            <a:r>
-              <a:rPr lang="en-US" altLang="zh-HK" sz="1400" dirty="0">
-                <a:latin typeface="Times New Roman" panose="02020603050405020304" pitchFamily="18" charset="0"/>
-                <a:cs typeface="Times New Roman" panose="02020603050405020304" pitchFamily="18" charset="0"/>
-              </a:rPr>
-              <a:t>[1] </a:t>
-            </a:r>
-            <a:r>
-              <a:rPr lang="zh-HK" altLang="en-US" sz="1400" dirty="0">
-                <a:latin typeface="Times New Roman" panose="02020603050405020304" pitchFamily="18" charset="0"/>
-                <a:cs typeface="Times New Roman" panose="02020603050405020304" pitchFamily="18" charset="0"/>
-              </a:rPr>
-              <a:t>E. Gan and P. Bailis. "Scalable kernel density classification via threshold based pruning" SIGMOD2017</a:t>
-            </a:r>
-            <a:endParaRPr lang="en-US" altLang="zh-HK" sz="1400" dirty="0">
-              <a:latin typeface="Times New Roman" panose="02020603050405020304" pitchFamily="18" charset="0"/>
-              <a:cs typeface="Times New Roman" panose="02020603050405020304" pitchFamily="18" charset="0"/>
-            </a:endParaRPr>
-          </a:p>
-          <a:p>
-            <a:r>
-              <a:rPr lang="en-US" altLang="zh-HK" sz="1400" dirty="0">
-                <a:latin typeface="Times New Roman" panose="02020603050405020304" pitchFamily="18" charset="0"/>
-                <a:cs typeface="Times New Roman" panose="02020603050405020304" pitchFamily="18" charset="0"/>
-              </a:rPr>
-              <a:t>[2] T. N. Chan, M. L. </a:t>
-            </a:r>
-            <a:r>
-              <a:rPr lang="en-US" altLang="zh-HK" sz="1400" dirty="0" err="1">
-                <a:latin typeface="Times New Roman" pitchFamily="18" charset="0"/>
-                <a:cs typeface="Times New Roman" pitchFamily="18" charset="0"/>
-              </a:rPr>
-              <a:t>Yiu</a:t>
-            </a:r>
-            <a:r>
-              <a:rPr lang="en-US" altLang="zh-HK" sz="1400" dirty="0">
-                <a:latin typeface="Times New Roman" pitchFamily="18" charset="0"/>
-                <a:cs typeface="Times New Roman" pitchFamily="18" charset="0"/>
-              </a:rPr>
-              <a:t> and L. H. U “KARL: Fast Kernel Aggregation Queries” ICDE2019 (To appear) </a:t>
-            </a:r>
           </a:p>
         </p:txBody>
       </p:sp>
@@ -24784,7 +24567,12 @@
             <p:ph type="title"/>
           </p:nvPr>
         </p:nvSpPr>
-        <p:spPr/>
+        <p:spPr>
+          <a:xfrm>
+            <a:off x="838200" y="0"/>
+            <a:ext cx="10515600" cy="1325563"/>
+          </a:xfrm>
+        </p:spPr>
         <p:txBody>
           <a:bodyPr/>
           <a:lstStyle/>
@@ -24819,8 +24607,8 @@
         </p:nvSpPr>
         <p:spPr>
           <a:xfrm>
-            <a:off x="838200" y="1728845"/>
-            <a:ext cx="10515600" cy="4810067"/>
+            <a:off x="838200" y="1461986"/>
+            <a:ext cx="10515600" cy="5396014"/>
           </a:xfrm>
         </p:spPr>
         <p:txBody>
@@ -24847,11 +24635,24 @@
                 <a:latin typeface="Times New Roman" panose="02020603050405020304" pitchFamily="18" charset="0"/>
                 <a:cs typeface="Times New Roman" panose="02020603050405020304" pitchFamily="18" charset="0"/>
               </a:rPr>
-              <a:t>Develop tighter lower and upper bound functions with same time complexity</a:t>
+              <a:t>Develop Kernel Aggregation Rapid Library (KARL)</a:t>
             </a:r>
           </a:p>
           <a:p>
-            <a:pPr marL="914400" lvl="1" indent="-457200">
+            <a:pPr marL="1371600" lvl="2" indent="-457200">
+              <a:buFont typeface="+mj-lt"/>
+              <a:buAutoNum type="arabicPeriod"/>
+            </a:pPr>
+            <a:r>
+              <a:rPr lang="en-US" altLang="zh-HK" dirty="0">
+                <a:latin typeface="Times New Roman" panose="02020603050405020304" pitchFamily="18" charset="0"/>
+                <a:cs typeface="Times New Roman" panose="02020603050405020304" pitchFamily="18" charset="0"/>
+              </a:rPr>
+              <a:t>Obtain tighter lower and upper bound functions with same time complexity</a:t>
+            </a:r>
+          </a:p>
+          <a:p>
+            <a:pPr marL="1371600" lvl="2" indent="-457200">
               <a:buFont typeface="+mj-lt"/>
               <a:buAutoNum type="arabicPeriod"/>
             </a:pPr>
@@ -24864,7 +24665,7 @@
             </a:r>
           </a:p>
           <a:p>
-            <a:pPr marL="1371600" lvl="2" indent="-457200">
+            <a:pPr marL="1828800" lvl="3" indent="-457200">
               <a:buFont typeface="+mj-lt"/>
               <a:buAutoNum type="arabicPeriod"/>
             </a:pPr>
@@ -24877,7 +24678,7 @@
             </a:r>
           </a:p>
           <a:p>
-            <a:pPr marL="1371600" lvl="2" indent="-457200">
+            <a:pPr marL="1828800" lvl="3" indent="-457200">
               <a:buFont typeface="+mj-lt"/>
               <a:buAutoNum type="arabicPeriod"/>
             </a:pPr>
@@ -24890,7 +24691,7 @@
             </a:r>
           </a:p>
           <a:p>
-            <a:pPr marL="1371600" lvl="2" indent="-457200">
+            <a:pPr marL="1828800" lvl="3" indent="-457200">
               <a:buFont typeface="+mj-lt"/>
               <a:buAutoNum type="arabicPeriod"/>
             </a:pPr>
@@ -24903,7 +24704,7 @@
             </a:r>
           </a:p>
           <a:p>
-            <a:pPr marL="1371600" lvl="2" indent="-457200">
+            <a:pPr marL="1828800" lvl="3" indent="-457200">
               <a:buFont typeface="+mj-lt"/>
               <a:buAutoNum type="arabicPeriod"/>
             </a:pPr>
@@ -24916,7 +24717,7 @@
             </a:r>
           </a:p>
           <a:p>
-            <a:pPr marL="914400" lvl="1" indent="-457200">
+            <a:pPr marL="1371600" lvl="2" indent="-457200">
               <a:buFont typeface="+mj-lt"/>
               <a:buAutoNum type="arabicPeriod"/>
             </a:pPr>
@@ -25499,36 +25300,6 @@
           </p:sp>
         </mc:Fallback>
       </mc:AlternateContent>
-      <p:pic>
-        <p:nvPicPr>
-          <p:cNvPr id="8" name="Picture 7">
-            <a:extLst>
-              <a:ext uri="{FF2B5EF4-FFF2-40B4-BE49-F238E27FC236}">
-                <a16:creationId xmlns:a16="http://schemas.microsoft.com/office/drawing/2014/main" id="{9B65A1AF-347B-46FC-8622-F47594FBBACB}"/>
-              </a:ext>
-            </a:extLst>
-          </p:cNvPr>
-          <p:cNvPicPr>
-            <a:picLocks noChangeAspect="1"/>
-          </p:cNvPicPr>
-          <p:nvPr/>
-        </p:nvPicPr>
-        <p:blipFill>
-          <a:blip r:embed="rId3"/>
-          <a:stretch>
-            <a:fillRect/>
-          </a:stretch>
-        </p:blipFill>
-        <p:spPr>
-          <a:xfrm>
-            <a:off x="3393258" y="2797266"/>
-            <a:ext cx="4667250" cy="2133600"/>
-          </a:xfrm>
-          <a:prstGeom prst="rect">
-            <a:avLst/>
-          </a:prstGeom>
-        </p:spPr>
-      </p:pic>
       <p:sp>
         <p:nvSpPr>
           <p:cNvPr id="10" name="Slide Number Placeholder 9">
@@ -25558,6 +25329,36 @@
           </a:p>
         </p:txBody>
       </p:sp>
+      <p:pic>
+        <p:nvPicPr>
+          <p:cNvPr id="9" name="Picture 8">
+            <a:extLst>
+              <a:ext uri="{FF2B5EF4-FFF2-40B4-BE49-F238E27FC236}">
+                <a16:creationId xmlns:a16="http://schemas.microsoft.com/office/drawing/2014/main" id="{676725F5-6F8F-42C1-A88C-B7596215E611}"/>
+              </a:ext>
+            </a:extLst>
+          </p:cNvPr>
+          <p:cNvPicPr>
+            <a:picLocks noChangeAspect="1"/>
+          </p:cNvPicPr>
+          <p:nvPr/>
+        </p:nvPicPr>
+        <p:blipFill>
+          <a:blip r:embed="rId3"/>
+          <a:stretch>
+            <a:fillRect/>
+          </a:stretch>
+        </p:blipFill>
+        <p:spPr>
+          <a:xfrm>
+            <a:off x="3393258" y="2883428"/>
+            <a:ext cx="4648200" cy="2114550"/>
+          </a:xfrm>
+          <a:prstGeom prst="rect">
+            <a:avLst/>
+          </a:prstGeom>
+        </p:spPr>
+      </p:pic>
     </p:spTree>
     <p:extLst>
       <p:ext uri="{BB962C8B-B14F-4D97-AF65-F5344CB8AC3E}">
@@ -32306,36 +32107,6 @@
           </a:p>
         </p:txBody>
       </p:sp>
-      <p:pic>
-        <p:nvPicPr>
-          <p:cNvPr id="4" name="Picture 3">
-            <a:extLst>
-              <a:ext uri="{FF2B5EF4-FFF2-40B4-BE49-F238E27FC236}">
-                <a16:creationId xmlns:a16="http://schemas.microsoft.com/office/drawing/2014/main" id="{D73CF1D8-F2BD-4694-96EE-3342CD6C5E5D}"/>
-              </a:ext>
-            </a:extLst>
-          </p:cNvPr>
-          <p:cNvPicPr>
-            <a:picLocks noChangeAspect="1"/>
-          </p:cNvPicPr>
-          <p:nvPr/>
-        </p:nvPicPr>
-        <p:blipFill>
-          <a:blip r:embed="rId2"/>
-          <a:stretch>
-            <a:fillRect/>
-          </a:stretch>
-        </p:blipFill>
-        <p:spPr>
-          <a:xfrm>
-            <a:off x="2016677" y="2942271"/>
-            <a:ext cx="7353300" cy="1581150"/>
-          </a:xfrm>
-          <a:prstGeom prst="rect">
-            <a:avLst/>
-          </a:prstGeom>
-        </p:spPr>
-      </p:pic>
       <p:sp>
         <p:nvSpPr>
           <p:cNvPr id="5" name="Content Placeholder 2">
@@ -32452,11 +32223,18 @@
           <a:lstStyle/>
           <a:p>
             <a:r>
+              <a:rPr lang="en-US" altLang="zh-HK" b="1" dirty="0">
+                <a:latin typeface="Times New Roman" panose="02020603050405020304" pitchFamily="18" charset="0"/>
+                <a:cs typeface="Times New Roman" panose="02020603050405020304" pitchFamily="18" charset="0"/>
+              </a:rPr>
+              <a:t>KARL:</a:t>
+            </a:r>
+            <a:r>
               <a:rPr lang="en-US" altLang="zh-HK" dirty="0">
                 <a:latin typeface="Times New Roman" panose="02020603050405020304" pitchFamily="18" charset="0"/>
                 <a:cs typeface="Times New Roman" panose="02020603050405020304" pitchFamily="18" charset="0"/>
               </a:rPr>
-              <a:t>[1] </a:t>
+              <a:t> </a:t>
             </a:r>
             <a:r>
               <a:rPr lang="zh-HK" altLang="en-US" dirty="0">
@@ -32497,6 +32275,36 @@
           </a:p>
         </p:txBody>
       </p:sp>
+      <p:pic>
+        <p:nvPicPr>
+          <p:cNvPr id="8" name="Picture 7">
+            <a:extLst>
+              <a:ext uri="{FF2B5EF4-FFF2-40B4-BE49-F238E27FC236}">
+                <a16:creationId xmlns:a16="http://schemas.microsoft.com/office/drawing/2014/main" id="{48BE4F9F-A8A7-474D-9477-19D26C7FD567}"/>
+              </a:ext>
+            </a:extLst>
+          </p:cNvPr>
+          <p:cNvPicPr>
+            <a:picLocks noChangeAspect="1"/>
+          </p:cNvPicPr>
+          <p:nvPr/>
+        </p:nvPicPr>
+        <p:blipFill>
+          <a:blip r:embed="rId2"/>
+          <a:stretch>
+            <a:fillRect/>
+          </a:stretch>
+        </p:blipFill>
+        <p:spPr>
+          <a:xfrm>
+            <a:off x="2026202" y="2951796"/>
+            <a:ext cx="7343775" cy="1562100"/>
+          </a:xfrm>
+          <a:prstGeom prst="rect">
+            <a:avLst/>
+          </a:prstGeom>
+        </p:spPr>
+      </p:pic>
     </p:spTree>
     <p:extLst>
       <p:ext uri="{BB962C8B-B14F-4D97-AF65-F5344CB8AC3E}">

--- a/KARL Presentation_v2.pptx
+++ b/KARL Presentation_v2.pptx
@@ -3564,7 +3564,7 @@
           <a:p>
             <a:fld id="{2A1796B2-CECE-48E9-B3FE-720105A41541}" type="datetimeFigureOut">
               <a:rPr lang="zh-HK" altLang="en-US" smtClean="0"/>
-              <a:t>23/3/2019</a:t>
+              <a:t>28/3/2019</a:t>
             </a:fld>
             <a:endParaRPr lang="zh-HK" altLang="en-US"/>
           </a:p>
@@ -3981,7 +3981,7 @@
           <a:p>
             <a:fld id="{E48831C5-B29B-4C25-8844-0034E87C4BC6}" type="datetime1">
               <a:rPr lang="zh-HK" altLang="en-US" smtClean="0"/>
-              <a:t>23/3/2019</a:t>
+              <a:t>28/3/2019</a:t>
             </a:fld>
             <a:endParaRPr lang="zh-HK" altLang="en-US"/>
           </a:p>
@@ -4181,7 +4181,7 @@
           <a:p>
             <a:fld id="{26092906-0844-4288-A8FB-1A0AFF7F7240}" type="datetime1">
               <a:rPr lang="zh-HK" altLang="en-US" smtClean="0"/>
-              <a:t>23/3/2019</a:t>
+              <a:t>28/3/2019</a:t>
             </a:fld>
             <a:endParaRPr lang="zh-HK" altLang="en-US"/>
           </a:p>
@@ -4391,7 +4391,7 @@
           <a:p>
             <a:fld id="{8326CA5A-A448-4E94-AF68-F9F1CC20894F}" type="datetime1">
               <a:rPr lang="zh-HK" altLang="en-US" smtClean="0"/>
-              <a:t>23/3/2019</a:t>
+              <a:t>28/3/2019</a:t>
             </a:fld>
             <a:endParaRPr lang="zh-HK" altLang="en-US"/>
           </a:p>
@@ -4591,7 +4591,7 @@
           <a:p>
             <a:fld id="{942C5316-E0E8-4F62-A434-791C6A026C4E}" type="datetime1">
               <a:rPr lang="zh-HK" altLang="en-US" smtClean="0"/>
-              <a:t>23/3/2019</a:t>
+              <a:t>28/3/2019</a:t>
             </a:fld>
             <a:endParaRPr lang="zh-HK" altLang="en-US"/>
           </a:p>
@@ -4867,7 +4867,7 @@
           <a:p>
             <a:fld id="{1F26C757-3013-405D-BA55-43C4530FF661}" type="datetime1">
               <a:rPr lang="zh-HK" altLang="en-US" smtClean="0"/>
-              <a:t>23/3/2019</a:t>
+              <a:t>28/3/2019</a:t>
             </a:fld>
             <a:endParaRPr lang="zh-HK" altLang="en-US"/>
           </a:p>
@@ -5135,7 +5135,7 @@
           <a:p>
             <a:fld id="{01D85B7A-80D9-46D8-AD13-BC1A6ED2C9AB}" type="datetime1">
               <a:rPr lang="zh-HK" altLang="en-US" smtClean="0"/>
-              <a:t>23/3/2019</a:t>
+              <a:t>28/3/2019</a:t>
             </a:fld>
             <a:endParaRPr lang="zh-HK" altLang="en-US"/>
           </a:p>
@@ -5550,7 +5550,7 @@
           <a:p>
             <a:fld id="{FB2F315C-99C0-4DC9-8DA1-4CEF9FF5D133}" type="datetime1">
               <a:rPr lang="zh-HK" altLang="en-US" smtClean="0"/>
-              <a:t>23/3/2019</a:t>
+              <a:t>28/3/2019</a:t>
             </a:fld>
             <a:endParaRPr lang="zh-HK" altLang="en-US"/>
           </a:p>
@@ -5692,7 +5692,7 @@
           <a:p>
             <a:fld id="{4DD43159-DC91-466D-BF21-D1290BA69855}" type="datetime1">
               <a:rPr lang="zh-HK" altLang="en-US" smtClean="0"/>
-              <a:t>23/3/2019</a:t>
+              <a:t>28/3/2019</a:t>
             </a:fld>
             <a:endParaRPr lang="zh-HK" altLang="en-US"/>
           </a:p>
@@ -5805,7 +5805,7 @@
           <a:p>
             <a:fld id="{C61BD61E-3050-467B-9CCD-D5DD34C20EBF}" type="datetime1">
               <a:rPr lang="zh-HK" altLang="en-US" smtClean="0"/>
-              <a:t>23/3/2019</a:t>
+              <a:t>28/3/2019</a:t>
             </a:fld>
             <a:endParaRPr lang="zh-HK" altLang="en-US"/>
           </a:p>
@@ -6118,7 +6118,7 @@
           <a:p>
             <a:fld id="{83660766-C753-43D7-99E2-AFC1147051F5}" type="datetime1">
               <a:rPr lang="zh-HK" altLang="en-US" smtClean="0"/>
-              <a:t>23/3/2019</a:t>
+              <a:t>28/3/2019</a:t>
             </a:fld>
             <a:endParaRPr lang="zh-HK" altLang="en-US"/>
           </a:p>
@@ -6407,7 +6407,7 @@
           <a:p>
             <a:fld id="{086D1A1E-33AE-4FB9-A723-29464B340953}" type="datetime1">
               <a:rPr lang="zh-HK" altLang="en-US" smtClean="0"/>
-              <a:t>23/3/2019</a:t>
+              <a:t>28/3/2019</a:t>
             </a:fld>
             <a:endParaRPr lang="zh-HK" altLang="en-US"/>
           </a:p>
@@ -6650,7 +6650,7 @@
           <a:p>
             <a:fld id="{03054368-AAF9-4E5D-9858-94B28A4846B0}" type="datetime1">
               <a:rPr lang="zh-HK" altLang="en-US" smtClean="0"/>
-              <a:t>23/3/2019</a:t>
+              <a:t>28/3/2019</a:t>
             </a:fld>
             <a:endParaRPr lang="zh-HK" altLang="en-US"/>
           </a:p>
@@ -24085,7 +24085,7 @@
         <p:spPr>
           <a:xfrm>
             <a:off x="439498" y="1201602"/>
-            <a:ext cx="10419263" cy="461665"/>
+            <a:ext cx="9716186" cy="461665"/>
           </a:xfrm>
           <a:prstGeom prst="rect">
             <a:avLst/>
@@ -24124,42 +24124,7 @@
                 <a:latin typeface="Times New Roman" panose="02020603050405020304" pitchFamily="18" charset="0"/>
                 <a:cs typeface="Times New Roman" panose="02020603050405020304" pitchFamily="18" charset="0"/>
               </a:rPr>
-              <a:t> [2], </a:t>
-            </a:r>
-            <a:r>
-              <a:rPr lang="en-US" altLang="zh-HK" sz="2400" dirty="0" err="1">
-                <a:latin typeface="Times New Roman" panose="02020603050405020304" pitchFamily="18" charset="0"/>
-                <a:cs typeface="Times New Roman" panose="02020603050405020304" pitchFamily="18" charset="0"/>
-              </a:rPr>
-              <a:t>SOTA</a:t>
-            </a:r>
-            <a:r>
-              <a:rPr lang="en-US" altLang="zh-HK" sz="2400" baseline="-25000" dirty="0" err="1">
-                <a:latin typeface="Times New Roman" panose="02020603050405020304" pitchFamily="18" charset="0"/>
-                <a:cs typeface="Times New Roman" panose="02020603050405020304" pitchFamily="18" charset="0"/>
-              </a:rPr>
-              <a:t>best</a:t>
-            </a:r>
-            <a:r>
-              <a:rPr lang="en-US" altLang="zh-HK" sz="2400" dirty="0">
-                <a:latin typeface="Times New Roman" panose="02020603050405020304" pitchFamily="18" charset="0"/>
-                <a:cs typeface="Times New Roman" panose="02020603050405020304" pitchFamily="18" charset="0"/>
-              </a:rPr>
-              <a:t> [3] and </a:t>
-            </a:r>
-            <a:r>
-              <a:rPr lang="en-US" altLang="zh-HK" sz="2400" dirty="0" err="1">
-                <a:latin typeface="Times New Roman" panose="02020603050405020304" pitchFamily="18" charset="0"/>
-                <a:cs typeface="Times New Roman" panose="02020603050405020304" pitchFamily="18" charset="0"/>
-              </a:rPr>
-              <a:t>KARL</a:t>
-            </a:r>
-            <a:r>
-              <a:rPr lang="en-US" altLang="zh-HK" sz="2400" baseline="-25000" dirty="0" err="1">
-                <a:latin typeface="Times New Roman" panose="02020603050405020304" pitchFamily="18" charset="0"/>
-                <a:cs typeface="Times New Roman" panose="02020603050405020304" pitchFamily="18" charset="0"/>
-              </a:rPr>
-              <a:t>auto</a:t>
+              <a:t> [2], SOTA [3] and KARL</a:t>
             </a:r>
             <a:endParaRPr lang="zh-HK" altLang="en-US" sz="2400" dirty="0">
               <a:latin typeface="Times New Roman" panose="02020603050405020304" pitchFamily="18" charset="0"/>
@@ -24434,36 +24399,6 @@
       </p:sp>
       <p:pic>
         <p:nvPicPr>
-          <p:cNvPr id="10" name="Picture 9">
-            <a:extLst>
-              <a:ext uri="{FF2B5EF4-FFF2-40B4-BE49-F238E27FC236}">
-                <a16:creationId xmlns:a16="http://schemas.microsoft.com/office/drawing/2014/main" id="{14A107E5-8DDE-4147-A717-E7868556DF85}"/>
-              </a:ext>
-            </a:extLst>
-          </p:cNvPr>
-          <p:cNvPicPr>
-            <a:picLocks noChangeAspect="1"/>
-          </p:cNvPicPr>
-          <p:nvPr/>
-        </p:nvPicPr>
-        <p:blipFill>
-          <a:blip r:embed="rId3"/>
-          <a:stretch>
-            <a:fillRect/>
-          </a:stretch>
-        </p:blipFill>
-        <p:spPr>
-          <a:xfrm>
-            <a:off x="4154428" y="1443744"/>
-            <a:ext cx="4829175" cy="276225"/>
-          </a:xfrm>
-          <a:prstGeom prst="rect">
-            <a:avLst/>
-          </a:prstGeom>
-        </p:spPr>
-      </p:pic>
-      <p:pic>
-        <p:nvPicPr>
           <p:cNvPr id="11" name="Picture 10">
             <a:extLst>
               <a:ext uri="{FF2B5EF4-FFF2-40B4-BE49-F238E27FC236}">
@@ -24477,7 +24412,7 @@
           <p:nvPr/>
         </p:nvPicPr>
         <p:blipFill>
-          <a:blip r:embed="rId4"/>
+          <a:blip r:embed="rId3"/>
           <a:stretch>
             <a:fillRect/>
           </a:stretch>
@@ -24521,6 +24456,36 @@
           </a:p>
         </p:txBody>
       </p:sp>
+      <p:pic>
+        <p:nvPicPr>
+          <p:cNvPr id="13" name="Picture 12">
+            <a:extLst>
+              <a:ext uri="{FF2B5EF4-FFF2-40B4-BE49-F238E27FC236}">
+                <a16:creationId xmlns:a16="http://schemas.microsoft.com/office/drawing/2014/main" id="{AD1CE6AB-18AA-4566-B68D-7F264AA7E6F6}"/>
+              </a:ext>
+            </a:extLst>
+          </p:cNvPr>
+          <p:cNvPicPr>
+            <a:picLocks noChangeAspect="1"/>
+          </p:cNvPicPr>
+          <p:nvPr/>
+        </p:nvPicPr>
+        <p:blipFill>
+          <a:blip r:embed="rId4"/>
+          <a:stretch>
+            <a:fillRect/>
+          </a:stretch>
+        </p:blipFill>
+        <p:spPr>
+          <a:xfrm>
+            <a:off x="4466945" y="1365753"/>
+            <a:ext cx="3981450" cy="276225"/>
+          </a:xfrm>
+          <a:prstGeom prst="rect">
+            <a:avLst/>
+          </a:prstGeom>
+        </p:spPr>
+      </p:pic>
     </p:spTree>
     <p:extLst>
       <p:ext uri="{BB962C8B-B14F-4D97-AF65-F5344CB8AC3E}">
@@ -24748,21 +24713,7 @@
                 <a:latin typeface="Times New Roman" panose="02020603050405020304" pitchFamily="18" charset="0"/>
                 <a:cs typeface="Times New Roman" panose="02020603050405020304" pitchFamily="18" charset="0"/>
               </a:rPr>
-              <a:t>Integrate the implementation into the library (</a:t>
-            </a:r>
-            <a:r>
-              <a:rPr lang="en-US" altLang="zh-HK" dirty="0" err="1">
-                <a:latin typeface="Times New Roman" panose="02020603050405020304" pitchFamily="18" charset="0"/>
-                <a:cs typeface="Times New Roman" panose="02020603050405020304" pitchFamily="18" charset="0"/>
-              </a:rPr>
-              <a:t>Onging</a:t>
-            </a:r>
-            <a:r>
-              <a:rPr lang="en-US" altLang="zh-HK" dirty="0">
-                <a:latin typeface="Times New Roman" panose="02020603050405020304" pitchFamily="18" charset="0"/>
-                <a:cs typeface="Times New Roman" panose="02020603050405020304" pitchFamily="18" charset="0"/>
-              </a:rPr>
-              <a:t>)</a:t>
+              <a:t>Integrate the implementation into the library (Ongoing)</a:t>
             </a:r>
           </a:p>
           <a:p>
@@ -24899,7 +24850,7 @@
                 <a:latin typeface="Times New Roman" panose="02020603050405020304" pitchFamily="18" charset="0"/>
                 <a:cs typeface="Times New Roman" panose="02020603050405020304" pitchFamily="18" charset="0"/>
               </a:rPr>
-              <a:t>Statistical/Machine learning Models</a:t>
+              <a:t>Machine learning Models</a:t>
             </a:r>
             <a:endParaRPr lang="zh-HK" altLang="en-US" dirty="0">
               <a:latin typeface="Times New Roman" panose="02020603050405020304" pitchFamily="18" charset="0"/>
@@ -25617,6 +25568,228 @@
               <a:t>3</a:t>
             </a:fld>
             <a:endParaRPr lang="zh-HK" altLang="en-US"/>
+          </a:p>
+        </p:txBody>
+      </p:sp>
+      <mc:AlternateContent xmlns:mc="http://schemas.openxmlformats.org/markup-compatibility/2006">
+        <mc:Choice xmlns:a14="http://schemas.microsoft.com/office/drawing/2010/main" Requires="a14">
+          <p:sp>
+            <p:nvSpPr>
+              <p:cNvPr id="7" name="Rectangle 6">
+                <a:extLst>
+                  <a:ext uri="{FF2B5EF4-FFF2-40B4-BE49-F238E27FC236}">
+                    <a16:creationId xmlns:a16="http://schemas.microsoft.com/office/drawing/2014/main" id="{6194CFC9-F59F-4E0A-959B-E49C96BD618C}"/>
+                  </a:ext>
+                </a:extLst>
+              </p:cNvPr>
+              <p:cNvSpPr/>
+              <p:nvPr/>
+            </p:nvSpPr>
+            <p:spPr>
+              <a:xfrm>
+                <a:off x="5390769" y="2213096"/>
+                <a:ext cx="840808" cy="369332"/>
+              </a:xfrm>
+              <a:prstGeom prst="rect">
+                <a:avLst/>
+              </a:prstGeom>
+            </p:spPr>
+            <p:txBody>
+              <a:bodyPr wrap="none">
+                <a:spAutoFit/>
+              </a:bodyPr>
+              <a:lstStyle/>
+              <a:p>
+                <a14:m>
+                  <m:oMathPara xmlns:m="http://schemas.openxmlformats.org/officeDocument/2006/math">
+                    <m:oMathParaPr>
+                      <m:jc m:val="centerGroup"/>
+                    </m:oMathParaPr>
+                    <m:oMath xmlns:m="http://schemas.openxmlformats.org/officeDocument/2006/math">
+                      <m:sSub>
+                        <m:sSubPr>
+                          <m:ctrlPr>
+                            <a:rPr lang="en-US" altLang="zh-HK" i="1">
+                              <a:latin typeface="Cambria Math" panose="02040503050406030204" pitchFamily="18" charset="0"/>
+                              <a:ea typeface="Cambria Math" panose="02040503050406030204" pitchFamily="18" charset="0"/>
+                            </a:rPr>
+                          </m:ctrlPr>
+                        </m:sSubPr>
+                        <m:e>
+                          <m:r>
+                            <a:rPr lang="en-US" altLang="zh-HK" i="1">
+                              <a:latin typeface="Cambria Math" panose="02040503050406030204" pitchFamily="18" charset="0"/>
+                              <a:ea typeface="Cambria Math" panose="02040503050406030204" pitchFamily="18" charset="0"/>
+                            </a:rPr>
+                            <m:t>ℱ</m:t>
+                          </m:r>
+                        </m:e>
+                        <m:sub>
+                          <m:r>
+                            <a:rPr lang="en-US" altLang="zh-HK" i="1">
+                              <a:latin typeface="Cambria Math" panose="02040503050406030204" pitchFamily="18" charset="0"/>
+                              <a:ea typeface="Cambria Math" panose="02040503050406030204" pitchFamily="18" charset="0"/>
+                            </a:rPr>
+                            <m:t>𝑃</m:t>
+                          </m:r>
+                        </m:sub>
+                      </m:sSub>
+                      <m:d>
+                        <m:dPr>
+                          <m:ctrlPr>
+                            <a:rPr lang="en-US" altLang="zh-HK" i="1">
+                              <a:latin typeface="Cambria Math" panose="02040503050406030204" pitchFamily="18" charset="0"/>
+                              <a:ea typeface="Cambria Math" panose="02040503050406030204" pitchFamily="18" charset="0"/>
+                            </a:rPr>
+                          </m:ctrlPr>
+                        </m:dPr>
+                        <m:e>
+                          <m:r>
+                            <a:rPr lang="en-US" altLang="zh-HK" b="1">
+                              <a:latin typeface="Cambria Math" panose="02040503050406030204" pitchFamily="18" charset="0"/>
+                              <a:ea typeface="Cambria Math" panose="02040503050406030204" pitchFamily="18" charset="0"/>
+                            </a:rPr>
+                            <m:t>𝐪</m:t>
+                          </m:r>
+                        </m:e>
+                      </m:d>
+                    </m:oMath>
+                  </m:oMathPara>
+                </a14:m>
+                <a:endParaRPr lang="zh-HK" altLang="en-US" dirty="0"/>
+              </a:p>
+            </p:txBody>
+          </p:sp>
+        </mc:Choice>
+        <mc:Fallback>
+          <p:sp>
+            <p:nvSpPr>
+              <p:cNvPr id="7" name="Rectangle 6">
+                <a:extLst>
+                  <a:ext uri="{FF2B5EF4-FFF2-40B4-BE49-F238E27FC236}">
+                    <a16:creationId xmlns:a16="http://schemas.microsoft.com/office/drawing/2014/main" id="{6194CFC9-F59F-4E0A-959B-E49C96BD618C}"/>
+                  </a:ext>
+                </a:extLst>
+              </p:cNvPr>
+              <p:cNvSpPr>
+                <a:spLocks noRot="1" noChangeAspect="1" noMove="1" noResize="1" noEditPoints="1" noAdjustHandles="1" noChangeArrowheads="1" noChangeShapeType="1" noTextEdit="1"/>
+              </p:cNvSpPr>
+              <p:nvPr/>
+            </p:nvSpPr>
+            <p:spPr>
+              <a:xfrm>
+                <a:off x="5390769" y="2213096"/>
+                <a:ext cx="840808" cy="369332"/>
+              </a:xfrm>
+              <a:prstGeom prst="rect">
+                <a:avLst/>
+              </a:prstGeom>
+              <a:blipFill>
+                <a:blip r:embed="rId3"/>
+                <a:stretch>
+                  <a:fillRect b="-6557"/>
+                </a:stretch>
+              </a:blipFill>
+            </p:spPr>
+            <p:txBody>
+              <a:bodyPr/>
+              <a:lstStyle/>
+              <a:p>
+                <a:r>
+                  <a:rPr lang="zh-HK" altLang="en-US">
+                    <a:noFill/>
+                  </a:rPr>
+                  <a:t> </a:t>
+                </a:r>
+              </a:p>
+            </p:txBody>
+          </p:sp>
+        </mc:Fallback>
+      </mc:AlternateContent>
+      <p:cxnSp>
+        <p:nvCxnSpPr>
+          <p:cNvPr id="9" name="Straight Arrow Connector 8">
+            <a:extLst>
+              <a:ext uri="{FF2B5EF4-FFF2-40B4-BE49-F238E27FC236}">
+                <a16:creationId xmlns:a16="http://schemas.microsoft.com/office/drawing/2014/main" id="{BB4FF75B-FD65-4EA9-AAC9-57F460747FFB}"/>
+              </a:ext>
+            </a:extLst>
+          </p:cNvPr>
+          <p:cNvCxnSpPr>
+            <a:cxnSpLocks/>
+            <a:stCxn id="7" idx="3"/>
+          </p:cNvCxnSpPr>
+          <p:nvPr/>
+        </p:nvCxnSpPr>
+        <p:spPr>
+          <a:xfrm>
+            <a:off x="6231577" y="2397762"/>
+            <a:ext cx="1045636" cy="38829"/>
+          </a:xfrm>
+          <a:prstGeom prst="straightConnector1">
+            <a:avLst/>
+          </a:prstGeom>
+          <a:ln>
+            <a:solidFill>
+              <a:schemeClr val="tx1"/>
+            </a:solidFill>
+            <a:tailEnd type="triangle"/>
+          </a:ln>
+        </p:spPr>
+        <p:style>
+          <a:lnRef idx="1">
+            <a:schemeClr val="accent1"/>
+          </a:lnRef>
+          <a:fillRef idx="0">
+            <a:schemeClr val="accent1"/>
+          </a:fillRef>
+          <a:effectRef idx="0">
+            <a:schemeClr val="accent1"/>
+          </a:effectRef>
+          <a:fontRef idx="minor">
+            <a:schemeClr val="tx1"/>
+          </a:fontRef>
+        </p:style>
+      </p:cxnSp>
+      <p:sp>
+        <p:nvSpPr>
+          <p:cNvPr id="12" name="TextBox 11">
+            <a:extLst>
+              <a:ext uri="{FF2B5EF4-FFF2-40B4-BE49-F238E27FC236}">
+                <a16:creationId xmlns:a16="http://schemas.microsoft.com/office/drawing/2014/main" id="{EFF159EB-270C-4F66-A181-1F74E1101823}"/>
+              </a:ext>
+            </a:extLst>
+          </p:cNvPr>
+          <p:cNvSpPr txBox="1"/>
+          <p:nvPr/>
+        </p:nvSpPr>
+        <p:spPr>
+          <a:xfrm>
+            <a:off x="4679458" y="1941607"/>
+            <a:ext cx="2383666" cy="369332"/>
+          </a:xfrm>
+          <a:prstGeom prst="rect">
+            <a:avLst/>
+          </a:prstGeom>
+          <a:noFill/>
+        </p:spPr>
+        <p:txBody>
+          <a:bodyPr wrap="none" rtlCol="0">
+            <a:spAutoFit/>
+          </a:bodyPr>
+          <a:lstStyle/>
+          <a:p>
+            <a:r>
+              <a:rPr lang="en-US" altLang="zh-HK" dirty="0">
+                <a:latin typeface="Times New Roman" panose="02020603050405020304" pitchFamily="18" charset="0"/>
+                <a:cs typeface="Times New Roman" panose="02020603050405020304" pitchFamily="18" charset="0"/>
+              </a:rPr>
+              <a:t>How to generate color?</a:t>
+            </a:r>
+            <a:endParaRPr lang="zh-HK" altLang="en-US" dirty="0">
+              <a:latin typeface="Times New Roman" panose="02020603050405020304" pitchFamily="18" charset="0"/>
+              <a:cs typeface="Times New Roman" panose="02020603050405020304" pitchFamily="18" charset="0"/>
+            </a:endParaRPr>
           </a:p>
         </p:txBody>
       </p:sp>
@@ -28084,692 +28257,6 @@
       </p:cxnSp>
       <p:sp>
         <p:nvSpPr>
-          <p:cNvPr id="62" name="等腰三角形 62">
-            <a:extLst>
-              <a:ext uri="{FF2B5EF4-FFF2-40B4-BE49-F238E27FC236}">
-                <a16:creationId xmlns:a16="http://schemas.microsoft.com/office/drawing/2014/main" id="{D873C0B0-0248-45C8-B975-59D673B6AC46}"/>
-              </a:ext>
-            </a:extLst>
-          </p:cNvPr>
-          <p:cNvSpPr/>
-          <p:nvPr/>
-        </p:nvSpPr>
-        <p:spPr>
-          <a:xfrm>
-            <a:off x="9485671" y="3349408"/>
-            <a:ext cx="228600" cy="228600"/>
-          </a:xfrm>
-          <a:prstGeom prst="triangle">
-            <a:avLst/>
-          </a:prstGeom>
-          <a:ln>
-            <a:noFill/>
-          </a:ln>
-        </p:spPr>
-        <p:style>
-          <a:lnRef idx="2">
-            <a:schemeClr val="accent1">
-              <a:shade val="50000"/>
-            </a:schemeClr>
-          </a:lnRef>
-          <a:fillRef idx="1">
-            <a:schemeClr val="accent1"/>
-          </a:fillRef>
-          <a:effectRef idx="0">
-            <a:schemeClr val="accent1"/>
-          </a:effectRef>
-          <a:fontRef idx="minor">
-            <a:schemeClr val="lt1"/>
-          </a:fontRef>
-        </p:style>
-        <p:txBody>
-          <a:bodyPr rtlCol="0" anchor="ctr"/>
-          <a:lstStyle/>
-          <a:p>
-            <a:pPr algn="ctr"/>
-            <a:endParaRPr lang="en-US"/>
-          </a:p>
-        </p:txBody>
-      </p:sp>
-      <p:sp>
-        <p:nvSpPr>
-          <p:cNvPr id="63" name="等腰三角形 63">
-            <a:extLst>
-              <a:ext uri="{FF2B5EF4-FFF2-40B4-BE49-F238E27FC236}">
-                <a16:creationId xmlns:a16="http://schemas.microsoft.com/office/drawing/2014/main" id="{5B4F02DE-4296-4CD3-AD98-5FB57E2D853C}"/>
-              </a:ext>
-            </a:extLst>
-          </p:cNvPr>
-          <p:cNvSpPr/>
-          <p:nvPr/>
-        </p:nvSpPr>
-        <p:spPr>
-          <a:xfrm>
-            <a:off x="9866671" y="3044608"/>
-            <a:ext cx="228600" cy="228600"/>
-          </a:xfrm>
-          <a:prstGeom prst="triangle">
-            <a:avLst/>
-          </a:prstGeom>
-          <a:ln>
-            <a:noFill/>
-          </a:ln>
-        </p:spPr>
-        <p:style>
-          <a:lnRef idx="2">
-            <a:schemeClr val="accent1">
-              <a:shade val="50000"/>
-            </a:schemeClr>
-          </a:lnRef>
-          <a:fillRef idx="1">
-            <a:schemeClr val="accent1"/>
-          </a:fillRef>
-          <a:effectRef idx="0">
-            <a:schemeClr val="accent1"/>
-          </a:effectRef>
-          <a:fontRef idx="minor">
-            <a:schemeClr val="lt1"/>
-          </a:fontRef>
-        </p:style>
-        <p:txBody>
-          <a:bodyPr rtlCol="0" anchor="ctr"/>
-          <a:lstStyle/>
-          <a:p>
-            <a:pPr algn="ctr"/>
-            <a:endParaRPr lang="en-US"/>
-          </a:p>
-        </p:txBody>
-      </p:sp>
-      <p:sp>
-        <p:nvSpPr>
-          <p:cNvPr id="64" name="等腰三角形 64">
-            <a:extLst>
-              <a:ext uri="{FF2B5EF4-FFF2-40B4-BE49-F238E27FC236}">
-                <a16:creationId xmlns:a16="http://schemas.microsoft.com/office/drawing/2014/main" id="{1E0385D1-25DA-4E7E-BEDD-B557D51F82AA}"/>
-              </a:ext>
-            </a:extLst>
-          </p:cNvPr>
-          <p:cNvSpPr/>
-          <p:nvPr/>
-        </p:nvSpPr>
-        <p:spPr>
-          <a:xfrm>
-            <a:off x="10247671" y="3120808"/>
-            <a:ext cx="228600" cy="228600"/>
-          </a:xfrm>
-          <a:prstGeom prst="triangle">
-            <a:avLst/>
-          </a:prstGeom>
-          <a:ln>
-            <a:noFill/>
-          </a:ln>
-        </p:spPr>
-        <p:style>
-          <a:lnRef idx="2">
-            <a:schemeClr val="accent1">
-              <a:shade val="50000"/>
-            </a:schemeClr>
-          </a:lnRef>
-          <a:fillRef idx="1">
-            <a:schemeClr val="accent1"/>
-          </a:fillRef>
-          <a:effectRef idx="0">
-            <a:schemeClr val="accent1"/>
-          </a:effectRef>
-          <a:fontRef idx="minor">
-            <a:schemeClr val="lt1"/>
-          </a:fontRef>
-        </p:style>
-        <p:txBody>
-          <a:bodyPr rtlCol="0" anchor="ctr"/>
-          <a:lstStyle/>
-          <a:p>
-            <a:pPr algn="ctr"/>
-            <a:endParaRPr lang="en-US"/>
-          </a:p>
-        </p:txBody>
-      </p:sp>
-      <p:sp>
-        <p:nvSpPr>
-          <p:cNvPr id="65" name="等腰三角形 65">
-            <a:extLst>
-              <a:ext uri="{FF2B5EF4-FFF2-40B4-BE49-F238E27FC236}">
-                <a16:creationId xmlns:a16="http://schemas.microsoft.com/office/drawing/2014/main" id="{7B50CD6F-BACB-411D-B8C1-AFFA24225933}"/>
-              </a:ext>
-            </a:extLst>
-          </p:cNvPr>
-          <p:cNvSpPr/>
-          <p:nvPr/>
-        </p:nvSpPr>
-        <p:spPr>
-          <a:xfrm>
-            <a:off x="9790471" y="3349408"/>
-            <a:ext cx="228600" cy="228600"/>
-          </a:xfrm>
-          <a:prstGeom prst="triangle">
-            <a:avLst/>
-          </a:prstGeom>
-          <a:ln>
-            <a:noFill/>
-          </a:ln>
-        </p:spPr>
-        <p:style>
-          <a:lnRef idx="2">
-            <a:schemeClr val="accent1">
-              <a:shade val="50000"/>
-            </a:schemeClr>
-          </a:lnRef>
-          <a:fillRef idx="1">
-            <a:schemeClr val="accent1"/>
-          </a:fillRef>
-          <a:effectRef idx="0">
-            <a:schemeClr val="accent1"/>
-          </a:effectRef>
-          <a:fontRef idx="minor">
-            <a:schemeClr val="lt1"/>
-          </a:fontRef>
-        </p:style>
-        <p:txBody>
-          <a:bodyPr rtlCol="0" anchor="ctr"/>
-          <a:lstStyle/>
-          <a:p>
-            <a:pPr algn="ctr"/>
-            <a:endParaRPr lang="en-US"/>
-          </a:p>
-        </p:txBody>
-      </p:sp>
-      <p:sp>
-        <p:nvSpPr>
-          <p:cNvPr id="66" name="等腰三角形 66">
-            <a:extLst>
-              <a:ext uri="{FF2B5EF4-FFF2-40B4-BE49-F238E27FC236}">
-                <a16:creationId xmlns:a16="http://schemas.microsoft.com/office/drawing/2014/main" id="{4C95B5CC-89EA-475A-AF4F-24F8E890CB99}"/>
-              </a:ext>
-            </a:extLst>
-          </p:cNvPr>
-          <p:cNvSpPr/>
-          <p:nvPr/>
-        </p:nvSpPr>
-        <p:spPr>
-          <a:xfrm>
-            <a:off x="9866671" y="3654208"/>
-            <a:ext cx="228600" cy="228600"/>
-          </a:xfrm>
-          <a:prstGeom prst="triangle">
-            <a:avLst/>
-          </a:prstGeom>
-          <a:ln>
-            <a:noFill/>
-          </a:ln>
-        </p:spPr>
-        <p:style>
-          <a:lnRef idx="2">
-            <a:schemeClr val="accent1">
-              <a:shade val="50000"/>
-            </a:schemeClr>
-          </a:lnRef>
-          <a:fillRef idx="1">
-            <a:schemeClr val="accent1"/>
-          </a:fillRef>
-          <a:effectRef idx="0">
-            <a:schemeClr val="accent1"/>
-          </a:effectRef>
-          <a:fontRef idx="minor">
-            <a:schemeClr val="lt1"/>
-          </a:fontRef>
-        </p:style>
-        <p:txBody>
-          <a:bodyPr rtlCol="0" anchor="ctr"/>
-          <a:lstStyle/>
-          <a:p>
-            <a:pPr algn="ctr"/>
-            <a:endParaRPr lang="en-US"/>
-          </a:p>
-        </p:txBody>
-      </p:sp>
-      <p:sp>
-        <p:nvSpPr>
-          <p:cNvPr id="67" name="等腰三角形 67">
-            <a:extLst>
-              <a:ext uri="{FF2B5EF4-FFF2-40B4-BE49-F238E27FC236}">
-                <a16:creationId xmlns:a16="http://schemas.microsoft.com/office/drawing/2014/main" id="{16A2CABC-C40E-49B7-8EA9-1719D097226D}"/>
-              </a:ext>
-            </a:extLst>
-          </p:cNvPr>
-          <p:cNvSpPr/>
-          <p:nvPr/>
-        </p:nvSpPr>
-        <p:spPr>
-          <a:xfrm>
-            <a:off x="10095271" y="3882808"/>
-            <a:ext cx="228600" cy="228600"/>
-          </a:xfrm>
-          <a:prstGeom prst="triangle">
-            <a:avLst/>
-          </a:prstGeom>
-          <a:ln>
-            <a:noFill/>
-          </a:ln>
-        </p:spPr>
-        <p:style>
-          <a:lnRef idx="2">
-            <a:schemeClr val="accent1">
-              <a:shade val="50000"/>
-            </a:schemeClr>
-          </a:lnRef>
-          <a:fillRef idx="1">
-            <a:schemeClr val="accent1"/>
-          </a:fillRef>
-          <a:effectRef idx="0">
-            <a:schemeClr val="accent1"/>
-          </a:effectRef>
-          <a:fontRef idx="minor">
-            <a:schemeClr val="lt1"/>
-          </a:fontRef>
-        </p:style>
-        <p:txBody>
-          <a:bodyPr rtlCol="0" anchor="ctr"/>
-          <a:lstStyle/>
-          <a:p>
-            <a:pPr algn="ctr"/>
-            <a:endParaRPr lang="en-US"/>
-          </a:p>
-        </p:txBody>
-      </p:sp>
-      <p:sp>
-        <p:nvSpPr>
-          <p:cNvPr id="68" name="等腰三角形 68">
-            <a:extLst>
-              <a:ext uri="{FF2B5EF4-FFF2-40B4-BE49-F238E27FC236}">
-                <a16:creationId xmlns:a16="http://schemas.microsoft.com/office/drawing/2014/main" id="{32132AE6-9E89-491D-BDE6-4B99C2159C36}"/>
-              </a:ext>
-            </a:extLst>
-          </p:cNvPr>
-          <p:cNvSpPr/>
-          <p:nvPr/>
-        </p:nvSpPr>
-        <p:spPr>
-          <a:xfrm>
-            <a:off x="9942871" y="2663608"/>
-            <a:ext cx="228600" cy="228600"/>
-          </a:xfrm>
-          <a:prstGeom prst="triangle">
-            <a:avLst/>
-          </a:prstGeom>
-          <a:ln>
-            <a:noFill/>
-          </a:ln>
-        </p:spPr>
-        <p:style>
-          <a:lnRef idx="2">
-            <a:schemeClr val="accent1">
-              <a:shade val="50000"/>
-            </a:schemeClr>
-          </a:lnRef>
-          <a:fillRef idx="1">
-            <a:schemeClr val="accent1"/>
-          </a:fillRef>
-          <a:effectRef idx="0">
-            <a:schemeClr val="accent1"/>
-          </a:effectRef>
-          <a:fontRef idx="minor">
-            <a:schemeClr val="lt1"/>
-          </a:fontRef>
-        </p:style>
-        <p:txBody>
-          <a:bodyPr rtlCol="0" anchor="ctr"/>
-          <a:lstStyle/>
-          <a:p>
-            <a:pPr algn="ctr"/>
-            <a:endParaRPr lang="en-US"/>
-          </a:p>
-        </p:txBody>
-      </p:sp>
-      <p:sp>
-        <p:nvSpPr>
-          <p:cNvPr id="69" name="等腰三角形 69">
-            <a:extLst>
-              <a:ext uri="{FF2B5EF4-FFF2-40B4-BE49-F238E27FC236}">
-                <a16:creationId xmlns:a16="http://schemas.microsoft.com/office/drawing/2014/main" id="{D3E7C75C-03CD-4838-9EBF-754B11F5185B}"/>
-              </a:ext>
-            </a:extLst>
-          </p:cNvPr>
-          <p:cNvSpPr/>
-          <p:nvPr/>
-        </p:nvSpPr>
-        <p:spPr>
-          <a:xfrm>
-            <a:off x="10247671" y="3501808"/>
-            <a:ext cx="228600" cy="228600"/>
-          </a:xfrm>
-          <a:prstGeom prst="triangle">
-            <a:avLst/>
-          </a:prstGeom>
-          <a:ln>
-            <a:noFill/>
-          </a:ln>
-        </p:spPr>
-        <p:style>
-          <a:lnRef idx="2">
-            <a:schemeClr val="accent1">
-              <a:shade val="50000"/>
-            </a:schemeClr>
-          </a:lnRef>
-          <a:fillRef idx="1">
-            <a:schemeClr val="accent1"/>
-          </a:fillRef>
-          <a:effectRef idx="0">
-            <a:schemeClr val="accent1"/>
-          </a:effectRef>
-          <a:fontRef idx="minor">
-            <a:schemeClr val="lt1"/>
-          </a:fontRef>
-        </p:style>
-        <p:txBody>
-          <a:bodyPr rtlCol="0" anchor="ctr"/>
-          <a:lstStyle/>
-          <a:p>
-            <a:pPr algn="ctr"/>
-            <a:endParaRPr lang="en-US"/>
-          </a:p>
-        </p:txBody>
-      </p:sp>
-      <p:sp>
-        <p:nvSpPr>
-          <p:cNvPr id="70" name="等腰三角形 70">
-            <a:extLst>
-              <a:ext uri="{FF2B5EF4-FFF2-40B4-BE49-F238E27FC236}">
-                <a16:creationId xmlns:a16="http://schemas.microsoft.com/office/drawing/2014/main" id="{FE54B2D9-32F7-4EA1-894D-656B8C460EAA}"/>
-              </a:ext>
-            </a:extLst>
-          </p:cNvPr>
-          <p:cNvSpPr/>
-          <p:nvPr/>
-        </p:nvSpPr>
-        <p:spPr>
-          <a:xfrm>
-            <a:off x="9561871" y="2739808"/>
-            <a:ext cx="228600" cy="228600"/>
-          </a:xfrm>
-          <a:prstGeom prst="triangle">
-            <a:avLst/>
-          </a:prstGeom>
-          <a:ln>
-            <a:noFill/>
-          </a:ln>
-        </p:spPr>
-        <p:style>
-          <a:lnRef idx="2">
-            <a:schemeClr val="accent1">
-              <a:shade val="50000"/>
-            </a:schemeClr>
-          </a:lnRef>
-          <a:fillRef idx="1">
-            <a:schemeClr val="accent1"/>
-          </a:fillRef>
-          <a:effectRef idx="0">
-            <a:schemeClr val="accent1"/>
-          </a:effectRef>
-          <a:fontRef idx="minor">
-            <a:schemeClr val="lt1"/>
-          </a:fontRef>
-        </p:style>
-        <p:txBody>
-          <a:bodyPr rtlCol="0" anchor="ctr"/>
-          <a:lstStyle/>
-          <a:p>
-            <a:pPr algn="ctr"/>
-            <a:endParaRPr lang="en-US"/>
-          </a:p>
-        </p:txBody>
-      </p:sp>
-      <p:sp>
-        <p:nvSpPr>
-          <p:cNvPr id="71" name="等腰三角形 71">
-            <a:extLst>
-              <a:ext uri="{FF2B5EF4-FFF2-40B4-BE49-F238E27FC236}">
-                <a16:creationId xmlns:a16="http://schemas.microsoft.com/office/drawing/2014/main" id="{3B2AE6F0-5858-4A81-8586-05FA6EFC5A2B}"/>
-              </a:ext>
-            </a:extLst>
-          </p:cNvPr>
-          <p:cNvSpPr/>
-          <p:nvPr/>
-        </p:nvSpPr>
-        <p:spPr>
-          <a:xfrm>
-            <a:off x="9333271" y="3044608"/>
-            <a:ext cx="228600" cy="228600"/>
-          </a:xfrm>
-          <a:prstGeom prst="triangle">
-            <a:avLst/>
-          </a:prstGeom>
-          <a:ln>
-            <a:noFill/>
-          </a:ln>
-        </p:spPr>
-        <p:style>
-          <a:lnRef idx="2">
-            <a:schemeClr val="accent1">
-              <a:shade val="50000"/>
-            </a:schemeClr>
-          </a:lnRef>
-          <a:fillRef idx="1">
-            <a:schemeClr val="accent1"/>
-          </a:fillRef>
-          <a:effectRef idx="0">
-            <a:schemeClr val="accent1"/>
-          </a:effectRef>
-          <a:fontRef idx="minor">
-            <a:schemeClr val="lt1"/>
-          </a:fontRef>
-        </p:style>
-        <p:txBody>
-          <a:bodyPr rtlCol="0" anchor="ctr"/>
-          <a:lstStyle/>
-          <a:p>
-            <a:pPr algn="ctr"/>
-            <a:endParaRPr lang="en-US"/>
-          </a:p>
-        </p:txBody>
-      </p:sp>
-      <p:sp>
-        <p:nvSpPr>
-          <p:cNvPr id="72" name="等腰三角形 72">
-            <a:extLst>
-              <a:ext uri="{FF2B5EF4-FFF2-40B4-BE49-F238E27FC236}">
-                <a16:creationId xmlns:a16="http://schemas.microsoft.com/office/drawing/2014/main" id="{0040590F-BE46-4CDE-BDBE-3524ACC2CF83}"/>
-              </a:ext>
-            </a:extLst>
-          </p:cNvPr>
-          <p:cNvSpPr/>
-          <p:nvPr/>
-        </p:nvSpPr>
-        <p:spPr>
-          <a:xfrm>
-            <a:off x="9257071" y="3501808"/>
-            <a:ext cx="228600" cy="228600"/>
-          </a:xfrm>
-          <a:prstGeom prst="triangle">
-            <a:avLst/>
-          </a:prstGeom>
-          <a:ln>
-            <a:noFill/>
-          </a:ln>
-        </p:spPr>
-        <p:style>
-          <a:lnRef idx="2">
-            <a:schemeClr val="accent1">
-              <a:shade val="50000"/>
-            </a:schemeClr>
-          </a:lnRef>
-          <a:fillRef idx="1">
-            <a:schemeClr val="accent1"/>
-          </a:fillRef>
-          <a:effectRef idx="0">
-            <a:schemeClr val="accent1"/>
-          </a:effectRef>
-          <a:fontRef idx="minor">
-            <a:schemeClr val="lt1"/>
-          </a:fontRef>
-        </p:style>
-        <p:txBody>
-          <a:bodyPr rtlCol="0" anchor="ctr"/>
-          <a:lstStyle/>
-          <a:p>
-            <a:pPr algn="ctr"/>
-            <a:endParaRPr lang="en-US"/>
-          </a:p>
-        </p:txBody>
-      </p:sp>
-      <p:sp>
-        <p:nvSpPr>
-          <p:cNvPr id="73" name="等腰三角形 73">
-            <a:extLst>
-              <a:ext uri="{FF2B5EF4-FFF2-40B4-BE49-F238E27FC236}">
-                <a16:creationId xmlns:a16="http://schemas.microsoft.com/office/drawing/2014/main" id="{427157C0-064A-4BDE-B968-226E6EAC0C84}"/>
-              </a:ext>
-            </a:extLst>
-          </p:cNvPr>
-          <p:cNvSpPr/>
-          <p:nvPr/>
-        </p:nvSpPr>
-        <p:spPr>
-          <a:xfrm>
-            <a:off x="9714271" y="3959008"/>
-            <a:ext cx="228600" cy="228600"/>
-          </a:xfrm>
-          <a:prstGeom prst="triangle">
-            <a:avLst/>
-          </a:prstGeom>
-          <a:ln>
-            <a:noFill/>
-          </a:ln>
-        </p:spPr>
-        <p:style>
-          <a:lnRef idx="2">
-            <a:schemeClr val="accent1">
-              <a:shade val="50000"/>
-            </a:schemeClr>
-          </a:lnRef>
-          <a:fillRef idx="1">
-            <a:schemeClr val="accent1"/>
-          </a:fillRef>
-          <a:effectRef idx="0">
-            <a:schemeClr val="accent1"/>
-          </a:effectRef>
-          <a:fontRef idx="minor">
-            <a:schemeClr val="lt1"/>
-          </a:fontRef>
-        </p:style>
-        <p:txBody>
-          <a:bodyPr rtlCol="0" anchor="ctr"/>
-          <a:lstStyle/>
-          <a:p>
-            <a:pPr algn="ctr"/>
-            <a:endParaRPr lang="en-US"/>
-          </a:p>
-        </p:txBody>
-      </p:sp>
-      <p:sp>
-        <p:nvSpPr>
-          <p:cNvPr id="74" name="等腰三角形 74">
-            <a:extLst>
-              <a:ext uri="{FF2B5EF4-FFF2-40B4-BE49-F238E27FC236}">
-                <a16:creationId xmlns:a16="http://schemas.microsoft.com/office/drawing/2014/main" id="{C0C52D03-A64C-47AA-BBF2-29A7DAE69376}"/>
-              </a:ext>
-            </a:extLst>
-          </p:cNvPr>
-          <p:cNvSpPr/>
-          <p:nvPr/>
-        </p:nvSpPr>
-        <p:spPr>
-          <a:xfrm>
-            <a:off x="9485671" y="3806608"/>
-            <a:ext cx="228600" cy="228600"/>
-          </a:xfrm>
-          <a:prstGeom prst="triangle">
-            <a:avLst/>
-          </a:prstGeom>
-          <a:ln>
-            <a:noFill/>
-          </a:ln>
-        </p:spPr>
-        <p:style>
-          <a:lnRef idx="2">
-            <a:schemeClr val="accent1">
-              <a:shade val="50000"/>
-            </a:schemeClr>
-          </a:lnRef>
-          <a:fillRef idx="1">
-            <a:schemeClr val="accent1"/>
-          </a:fillRef>
-          <a:effectRef idx="0">
-            <a:schemeClr val="accent1"/>
-          </a:effectRef>
-          <a:fontRef idx="minor">
-            <a:schemeClr val="lt1"/>
-          </a:fontRef>
-        </p:style>
-        <p:txBody>
-          <a:bodyPr rtlCol="0" anchor="ctr"/>
-          <a:lstStyle/>
-          <a:p>
-            <a:pPr algn="ctr"/>
-            <a:endParaRPr lang="en-US"/>
-          </a:p>
-        </p:txBody>
-      </p:sp>
-      <p:sp>
-        <p:nvSpPr>
-          <p:cNvPr id="75" name="等腰三角形 75">
-            <a:extLst>
-              <a:ext uri="{FF2B5EF4-FFF2-40B4-BE49-F238E27FC236}">
-                <a16:creationId xmlns:a16="http://schemas.microsoft.com/office/drawing/2014/main" id="{1D5A36FB-129C-4B57-93BF-B1033F24EE78}"/>
-              </a:ext>
-            </a:extLst>
-          </p:cNvPr>
-          <p:cNvSpPr/>
-          <p:nvPr/>
-        </p:nvSpPr>
-        <p:spPr>
-          <a:xfrm>
-            <a:off x="10019071" y="3425608"/>
-            <a:ext cx="228600" cy="228600"/>
-          </a:xfrm>
-          <a:prstGeom prst="triangle">
-            <a:avLst/>
-          </a:prstGeom>
-          <a:ln>
-            <a:noFill/>
-          </a:ln>
-        </p:spPr>
-        <p:style>
-          <a:lnRef idx="2">
-            <a:schemeClr val="accent1">
-              <a:shade val="50000"/>
-            </a:schemeClr>
-          </a:lnRef>
-          <a:fillRef idx="1">
-            <a:schemeClr val="accent1"/>
-          </a:fillRef>
-          <a:effectRef idx="0">
-            <a:schemeClr val="accent1"/>
-          </a:effectRef>
-          <a:fontRef idx="minor">
-            <a:schemeClr val="lt1"/>
-          </a:fontRef>
-        </p:style>
-        <p:txBody>
-          <a:bodyPr rtlCol="0" anchor="ctr"/>
-          <a:lstStyle/>
-          <a:p>
-            <a:pPr algn="ctr"/>
-            <a:endParaRPr lang="en-US"/>
-          </a:p>
-        </p:txBody>
-      </p:sp>
-      <p:sp>
-        <p:nvSpPr>
           <p:cNvPr id="76" name="橢圓 76">
             <a:extLst>
               <a:ext uri="{FF2B5EF4-FFF2-40B4-BE49-F238E27FC236}">
@@ -28840,7 +28327,11 @@
           <a:prstGeom prst="ellipse">
             <a:avLst/>
           </a:prstGeom>
-          <a:noFill/>
+          <a:solidFill>
+            <a:srgbClr val="0070C0">
+              <a:alpha val="50196"/>
+            </a:srgbClr>
+          </a:solidFill>
           <a:ln>
             <a:solidFill>
               <a:schemeClr val="tx1"/>
@@ -29401,6 +28892,304 @@
           </a:p>
         </p:txBody>
       </p:sp>
+      <mc:AlternateContent xmlns:mc="http://schemas.openxmlformats.org/markup-compatibility/2006">
+        <mc:Choice xmlns:a14="http://schemas.microsoft.com/office/drawing/2010/main" Requires="a14">
+          <p:sp>
+            <p:nvSpPr>
+              <p:cNvPr id="4" name="Rectangle 3">
+                <a:extLst>
+                  <a:ext uri="{FF2B5EF4-FFF2-40B4-BE49-F238E27FC236}">
+                    <a16:creationId xmlns:a16="http://schemas.microsoft.com/office/drawing/2014/main" id="{525899C5-6A2E-49FD-A503-AFFC68718712}"/>
+                  </a:ext>
+                </a:extLst>
+              </p:cNvPr>
+              <p:cNvSpPr/>
+              <p:nvPr/>
+            </p:nvSpPr>
+            <p:spPr>
+              <a:xfrm>
+                <a:off x="9230153" y="2237866"/>
+                <a:ext cx="1252907" cy="369332"/>
+              </a:xfrm>
+              <a:prstGeom prst="rect">
+                <a:avLst/>
+              </a:prstGeom>
+            </p:spPr>
+            <p:txBody>
+              <a:bodyPr wrap="none">
+                <a:spAutoFit/>
+              </a:bodyPr>
+              <a:lstStyle/>
+              <a:p>
+                <a14:m>
+                  <m:oMathPara xmlns:m="http://schemas.openxmlformats.org/officeDocument/2006/math">
+                    <m:oMathParaPr>
+                      <m:jc m:val="centerGroup"/>
+                    </m:oMathParaPr>
+                    <m:oMath xmlns:m="http://schemas.openxmlformats.org/officeDocument/2006/math">
+                      <m:sSub>
+                        <m:sSubPr>
+                          <m:ctrlPr>
+                            <a:rPr lang="en-US" altLang="zh-HK" i="1" smtClean="0">
+                              <a:latin typeface="Cambria Math" panose="02040503050406030204" pitchFamily="18" charset="0"/>
+                              <a:ea typeface="Cambria Math" panose="02040503050406030204" pitchFamily="18" charset="0"/>
+                            </a:rPr>
+                          </m:ctrlPr>
+                        </m:sSubPr>
+                        <m:e>
+                          <m:r>
+                            <a:rPr lang="en-US" altLang="zh-HK" i="1">
+                              <a:latin typeface="Cambria Math" panose="02040503050406030204" pitchFamily="18" charset="0"/>
+                              <a:ea typeface="Cambria Math" panose="02040503050406030204" pitchFamily="18" charset="0"/>
+                            </a:rPr>
+                            <m:t>ℱ</m:t>
+                          </m:r>
+                        </m:e>
+                        <m:sub>
+                          <m:r>
+                            <a:rPr lang="en-US" altLang="zh-HK" i="1">
+                              <a:latin typeface="Cambria Math" panose="02040503050406030204" pitchFamily="18" charset="0"/>
+                              <a:ea typeface="Cambria Math" panose="02040503050406030204" pitchFamily="18" charset="0"/>
+                            </a:rPr>
+                            <m:t>𝑃</m:t>
+                          </m:r>
+                        </m:sub>
+                      </m:sSub>
+                      <m:d>
+                        <m:dPr>
+                          <m:ctrlPr>
+                            <a:rPr lang="en-US" altLang="zh-HK" i="1">
+                              <a:latin typeface="Cambria Math" panose="02040503050406030204" pitchFamily="18" charset="0"/>
+                              <a:ea typeface="Cambria Math" panose="02040503050406030204" pitchFamily="18" charset="0"/>
+                            </a:rPr>
+                          </m:ctrlPr>
+                        </m:dPr>
+                        <m:e>
+                          <m:r>
+                            <a:rPr lang="en-US" altLang="zh-HK" b="1">
+                              <a:latin typeface="Cambria Math" panose="02040503050406030204" pitchFamily="18" charset="0"/>
+                              <a:ea typeface="Cambria Math" panose="02040503050406030204" pitchFamily="18" charset="0"/>
+                            </a:rPr>
+                            <m:t>𝐪</m:t>
+                          </m:r>
+                        </m:e>
+                      </m:d>
+                      <m:r>
+                        <a:rPr lang="en-US" altLang="zh-HK" b="0" i="1" smtClean="0">
+                          <a:latin typeface="Cambria Math" panose="02040503050406030204" pitchFamily="18" charset="0"/>
+                          <a:ea typeface="Cambria Math" panose="02040503050406030204" pitchFamily="18" charset="0"/>
+                        </a:rPr>
+                        <m:t>≤</m:t>
+                      </m:r>
+                      <m:r>
+                        <a:rPr lang="zh-HK" altLang="en-US" b="0" i="1" smtClean="0">
+                          <a:latin typeface="Cambria Math" panose="02040503050406030204" pitchFamily="18" charset="0"/>
+                          <a:ea typeface="Cambria Math" panose="02040503050406030204" pitchFamily="18" charset="0"/>
+                        </a:rPr>
+                        <m:t>𝜏</m:t>
+                      </m:r>
+                    </m:oMath>
+                  </m:oMathPara>
+                </a14:m>
+                <a:endParaRPr lang="zh-HK" altLang="en-US" dirty="0"/>
+              </a:p>
+            </p:txBody>
+          </p:sp>
+        </mc:Choice>
+        <mc:Fallback>
+          <p:sp>
+            <p:nvSpPr>
+              <p:cNvPr id="4" name="Rectangle 3">
+                <a:extLst>
+                  <a:ext uri="{FF2B5EF4-FFF2-40B4-BE49-F238E27FC236}">
+                    <a16:creationId xmlns:a16="http://schemas.microsoft.com/office/drawing/2014/main" id="{525899C5-6A2E-49FD-A503-AFFC68718712}"/>
+                  </a:ext>
+                </a:extLst>
+              </p:cNvPr>
+              <p:cNvSpPr>
+                <a:spLocks noRot="1" noChangeAspect="1" noMove="1" noResize="1" noEditPoints="1" noAdjustHandles="1" noChangeArrowheads="1" noChangeShapeType="1" noTextEdit="1"/>
+              </p:cNvSpPr>
+              <p:nvPr/>
+            </p:nvSpPr>
+            <p:spPr>
+              <a:xfrm>
+                <a:off x="9230153" y="2237866"/>
+                <a:ext cx="1252907" cy="369332"/>
+              </a:xfrm>
+              <a:prstGeom prst="rect">
+                <a:avLst/>
+              </a:prstGeom>
+              <a:blipFill>
+                <a:blip r:embed="rId5"/>
+                <a:stretch>
+                  <a:fillRect b="-6557"/>
+                </a:stretch>
+              </a:blipFill>
+            </p:spPr>
+            <p:txBody>
+              <a:bodyPr/>
+              <a:lstStyle/>
+              <a:p>
+                <a:r>
+                  <a:rPr lang="zh-HK" altLang="en-US">
+                    <a:noFill/>
+                  </a:rPr>
+                  <a:t> </a:t>
+                </a:r>
+              </a:p>
+            </p:txBody>
+          </p:sp>
+        </mc:Fallback>
+      </mc:AlternateContent>
+      <mc:AlternateContent xmlns:mc="http://schemas.openxmlformats.org/markup-compatibility/2006">
+        <mc:Choice xmlns:a14="http://schemas.microsoft.com/office/drawing/2010/main" Requires="a14">
+          <p:sp>
+            <p:nvSpPr>
+              <p:cNvPr id="89" name="Rectangle 88">
+                <a:extLst>
+                  <a:ext uri="{FF2B5EF4-FFF2-40B4-BE49-F238E27FC236}">
+                    <a16:creationId xmlns:a16="http://schemas.microsoft.com/office/drawing/2014/main" id="{1C02461E-41F6-4487-BE88-2FE5EC02448C}"/>
+                  </a:ext>
+                </a:extLst>
+              </p:cNvPr>
+              <p:cNvSpPr/>
+              <p:nvPr/>
+            </p:nvSpPr>
+            <p:spPr>
+              <a:xfrm>
+                <a:off x="9328934" y="3326436"/>
+                <a:ext cx="1252907" cy="369332"/>
+              </a:xfrm>
+              <a:prstGeom prst="rect">
+                <a:avLst/>
+              </a:prstGeom>
+            </p:spPr>
+            <p:txBody>
+              <a:bodyPr wrap="none">
+                <a:spAutoFit/>
+              </a:bodyPr>
+              <a:lstStyle/>
+              <a:p>
+                <a14:m>
+                  <m:oMathPara xmlns:m="http://schemas.openxmlformats.org/officeDocument/2006/math">
+                    <m:oMathParaPr>
+                      <m:jc m:val="centerGroup"/>
+                    </m:oMathParaPr>
+                    <m:oMath xmlns:m="http://schemas.openxmlformats.org/officeDocument/2006/math">
+                      <m:sSub>
+                        <m:sSubPr>
+                          <m:ctrlPr>
+                            <a:rPr lang="en-US" altLang="zh-HK" i="1" smtClean="0">
+                              <a:latin typeface="Cambria Math" panose="02040503050406030204" pitchFamily="18" charset="0"/>
+                              <a:ea typeface="Cambria Math" panose="02040503050406030204" pitchFamily="18" charset="0"/>
+                            </a:rPr>
+                          </m:ctrlPr>
+                        </m:sSubPr>
+                        <m:e>
+                          <m:r>
+                            <a:rPr lang="en-US" altLang="zh-HK" i="1">
+                              <a:latin typeface="Cambria Math" panose="02040503050406030204" pitchFamily="18" charset="0"/>
+                              <a:ea typeface="Cambria Math" panose="02040503050406030204" pitchFamily="18" charset="0"/>
+                            </a:rPr>
+                            <m:t>ℱ</m:t>
+                          </m:r>
+                        </m:e>
+                        <m:sub>
+                          <m:r>
+                            <a:rPr lang="en-US" altLang="zh-HK" i="1">
+                              <a:latin typeface="Cambria Math" panose="02040503050406030204" pitchFamily="18" charset="0"/>
+                              <a:ea typeface="Cambria Math" panose="02040503050406030204" pitchFamily="18" charset="0"/>
+                            </a:rPr>
+                            <m:t>𝑃</m:t>
+                          </m:r>
+                        </m:sub>
+                      </m:sSub>
+                      <m:d>
+                        <m:dPr>
+                          <m:ctrlPr>
+                            <a:rPr lang="en-US" altLang="zh-HK" i="1">
+                              <a:latin typeface="Cambria Math" panose="02040503050406030204" pitchFamily="18" charset="0"/>
+                              <a:ea typeface="Cambria Math" panose="02040503050406030204" pitchFamily="18" charset="0"/>
+                            </a:rPr>
+                          </m:ctrlPr>
+                        </m:dPr>
+                        <m:e>
+                          <m:r>
+                            <a:rPr lang="en-US" altLang="zh-HK" b="1">
+                              <a:latin typeface="Cambria Math" panose="02040503050406030204" pitchFamily="18" charset="0"/>
+                              <a:ea typeface="Cambria Math" panose="02040503050406030204" pitchFamily="18" charset="0"/>
+                            </a:rPr>
+                            <m:t>𝐪</m:t>
+                          </m:r>
+                        </m:e>
+                      </m:d>
+                      <m:r>
+                        <a:rPr lang="en-US" altLang="zh-HK" b="0" i="1" smtClean="0">
+                          <a:latin typeface="Cambria Math" panose="02040503050406030204" pitchFamily="18" charset="0"/>
+                          <a:ea typeface="Cambria Math" panose="02040503050406030204" pitchFamily="18" charset="0"/>
+                        </a:rPr>
+                        <m:t>&gt;</m:t>
+                      </m:r>
+                      <m:r>
+                        <a:rPr lang="zh-HK" altLang="en-US" b="0" i="1" smtClean="0">
+                          <a:latin typeface="Cambria Math" panose="02040503050406030204" pitchFamily="18" charset="0"/>
+                          <a:ea typeface="Cambria Math" panose="02040503050406030204" pitchFamily="18" charset="0"/>
+                        </a:rPr>
+                        <m:t>𝜏</m:t>
+                      </m:r>
+                    </m:oMath>
+                  </m:oMathPara>
+                </a14:m>
+                <a:endParaRPr lang="zh-HK" altLang="en-US" dirty="0"/>
+              </a:p>
+            </p:txBody>
+          </p:sp>
+        </mc:Choice>
+        <mc:Fallback>
+          <p:sp>
+            <p:nvSpPr>
+              <p:cNvPr id="89" name="Rectangle 88">
+                <a:extLst>
+                  <a:ext uri="{FF2B5EF4-FFF2-40B4-BE49-F238E27FC236}">
+                    <a16:creationId xmlns:a16="http://schemas.microsoft.com/office/drawing/2014/main" id="{1C02461E-41F6-4487-BE88-2FE5EC02448C}"/>
+                  </a:ext>
+                </a:extLst>
+              </p:cNvPr>
+              <p:cNvSpPr>
+                <a:spLocks noRot="1" noChangeAspect="1" noMove="1" noResize="1" noEditPoints="1" noAdjustHandles="1" noChangeArrowheads="1" noChangeShapeType="1" noTextEdit="1"/>
+              </p:cNvSpPr>
+              <p:nvPr/>
+            </p:nvSpPr>
+            <p:spPr>
+              <a:xfrm>
+                <a:off x="9328934" y="3326436"/>
+                <a:ext cx="1252907" cy="369332"/>
+              </a:xfrm>
+              <a:prstGeom prst="rect">
+                <a:avLst/>
+              </a:prstGeom>
+              <a:blipFill>
+                <a:blip r:embed="rId6"/>
+                <a:stretch>
+                  <a:fillRect b="-6667"/>
+                </a:stretch>
+              </a:blipFill>
+            </p:spPr>
+            <p:txBody>
+              <a:bodyPr/>
+              <a:lstStyle/>
+              <a:p>
+                <a:r>
+                  <a:rPr lang="zh-HK" altLang="en-US">
+                    <a:noFill/>
+                  </a:rPr>
+                  <a:t> </a:t>
+                </a:r>
+              </a:p>
+            </p:txBody>
+          </p:sp>
+        </mc:Fallback>
+      </mc:AlternateContent>
     </p:spTree>
     <p:extLst>
       <p:ext uri="{BB962C8B-B14F-4D97-AF65-F5344CB8AC3E}">
@@ -31284,7 +31073,7 @@
         </p:nvSpPr>
         <p:spPr>
           <a:xfrm>
-            <a:off x="661231" y="1406176"/>
+            <a:off x="661231" y="1506415"/>
             <a:ext cx="10869538" cy="4351338"/>
           </a:xfrm>
         </p:spPr>
@@ -31576,466 +31365,6 @@
           </a:p>
         </p:txBody>
       </p:sp>
-      <p:sp>
-        <p:nvSpPr>
-          <p:cNvPr id="7" name="TextBox 6">
-            <a:extLst>
-              <a:ext uri="{FF2B5EF4-FFF2-40B4-BE49-F238E27FC236}">
-                <a16:creationId xmlns:a16="http://schemas.microsoft.com/office/drawing/2014/main" id="{90805973-185D-42C3-B897-806D50A904EE}"/>
-              </a:ext>
-            </a:extLst>
-          </p:cNvPr>
-          <p:cNvSpPr txBox="1"/>
-          <p:nvPr/>
-        </p:nvSpPr>
-        <p:spPr>
-          <a:xfrm>
-            <a:off x="4364396" y="5661203"/>
-            <a:ext cx="2159566" cy="492443"/>
-          </a:xfrm>
-          <a:prstGeom prst="rect">
-            <a:avLst/>
-          </a:prstGeom>
-          <a:noFill/>
-        </p:spPr>
-        <p:txBody>
-          <a:bodyPr wrap="none" rtlCol="0">
-            <a:spAutoFit/>
-          </a:bodyPr>
-          <a:lstStyle/>
-          <a:p>
-            <a:r>
-              <a:rPr lang="en-US" altLang="zh-HK" sz="2600" dirty="0">
-                <a:latin typeface="Times New Roman" panose="02020603050405020304" pitchFamily="18" charset="0"/>
-                <a:cs typeface="Times New Roman" panose="02020603050405020304" pitchFamily="18" charset="0"/>
-              </a:rPr>
-              <a:t>O(|P| </a:t>
-            </a:r>
-            <a:r>
-              <a:rPr lang="en-US" altLang="zh-HK" sz="2600" dirty="0">
-                <a:latin typeface="Times New Roman" panose="02020603050405020304" pitchFamily="18" charset="0"/>
-                <a:cs typeface="Times New Roman" panose="02020603050405020304" pitchFamily="18" charset="0"/>
-                <a:sym typeface="Symbol" panose="05050102010706020507" pitchFamily="18" charset="2"/>
-              </a:rPr>
-              <a:t> </a:t>
-            </a:r>
-            <a:r>
-              <a:rPr lang="en-US" altLang="zh-HK" sz="2600" dirty="0">
-                <a:latin typeface="Times New Roman" panose="02020603050405020304" pitchFamily="18" charset="0"/>
-                <a:cs typeface="Times New Roman" panose="02020603050405020304" pitchFamily="18" charset="0"/>
-              </a:rPr>
-              <a:t>d) time</a:t>
-            </a:r>
-            <a:endParaRPr lang="zh-HK" altLang="en-US" sz="2600" dirty="0">
-              <a:latin typeface="Times New Roman" panose="02020603050405020304" pitchFamily="18" charset="0"/>
-              <a:cs typeface="Times New Roman" panose="02020603050405020304" pitchFamily="18" charset="0"/>
-            </a:endParaRPr>
-          </a:p>
-        </p:txBody>
-      </p:sp>
-      <p:sp>
-        <p:nvSpPr>
-          <p:cNvPr id="8" name="Right Brace 7">
-            <a:extLst>
-              <a:ext uri="{FF2B5EF4-FFF2-40B4-BE49-F238E27FC236}">
-                <a16:creationId xmlns:a16="http://schemas.microsoft.com/office/drawing/2014/main" id="{3A8C696C-D2F6-4F75-B2EF-33918526781F}"/>
-              </a:ext>
-            </a:extLst>
-          </p:cNvPr>
-          <p:cNvSpPr/>
-          <p:nvPr/>
-        </p:nvSpPr>
-        <p:spPr>
-          <a:xfrm rot="5400000">
-            <a:off x="5269086" y="3896563"/>
-            <a:ext cx="214543" cy="3538183"/>
-          </a:xfrm>
-          <a:prstGeom prst="rightBrace">
-            <a:avLst/>
-          </a:prstGeom>
-          <a:ln>
-            <a:solidFill>
-              <a:schemeClr val="tx1"/>
-            </a:solidFill>
-          </a:ln>
-        </p:spPr>
-        <p:style>
-          <a:lnRef idx="1">
-            <a:schemeClr val="accent1"/>
-          </a:lnRef>
-          <a:fillRef idx="0">
-            <a:schemeClr val="accent1"/>
-          </a:fillRef>
-          <a:effectRef idx="0">
-            <a:schemeClr val="accent1"/>
-          </a:effectRef>
-          <a:fontRef idx="minor">
-            <a:schemeClr val="tx1"/>
-          </a:fontRef>
-        </p:style>
-        <p:txBody>
-          <a:bodyPr rtlCol="0" anchor="ctr"/>
-          <a:lstStyle/>
-          <a:p>
-            <a:pPr algn="ctr"/>
-            <a:endParaRPr lang="zh-HK" altLang="en-US"/>
-          </a:p>
-        </p:txBody>
-      </p:sp>
-      <mc:AlternateContent xmlns:mc="http://schemas.openxmlformats.org/markup-compatibility/2006" xmlns:a14="http://schemas.microsoft.com/office/drawing/2010/main">
-        <mc:Choice Requires="a14">
-          <p:sp>
-            <p:nvSpPr>
-              <p:cNvPr id="9" name="TextBox 8">
-                <a:extLst>
-                  <a:ext uri="{FF2B5EF4-FFF2-40B4-BE49-F238E27FC236}">
-                    <a16:creationId xmlns:a16="http://schemas.microsoft.com/office/drawing/2014/main" id="{E4E44C7D-8344-407B-9046-26C930F69813}"/>
-                  </a:ext>
-                </a:extLst>
-              </p:cNvPr>
-              <p:cNvSpPr txBox="1"/>
-              <p:nvPr/>
-            </p:nvSpPr>
-            <p:spPr>
-              <a:xfrm>
-                <a:off x="2506359" y="4746864"/>
-                <a:ext cx="4639090" cy="862929"/>
-              </a:xfrm>
-              <a:prstGeom prst="rect">
-                <a:avLst/>
-              </a:prstGeom>
-              <a:noFill/>
-            </p:spPr>
-            <p:txBody>
-              <a:bodyPr wrap="none" lIns="0" tIns="0" rIns="0" bIns="0" rtlCol="0">
-                <a:spAutoFit/>
-              </a:bodyPr>
-              <a:lstStyle/>
-              <a:p>
-                <a:pPr/>
-                <a14:m>
-                  <m:oMathPara xmlns:m="http://schemas.openxmlformats.org/officeDocument/2006/math">
-                    <m:oMathParaPr>
-                      <m:jc m:val="centerGroup"/>
-                    </m:oMathParaPr>
-                    <m:oMath xmlns:m="http://schemas.openxmlformats.org/officeDocument/2006/math">
-                      <m:sSub>
-                        <m:sSubPr>
-                          <m:ctrlPr>
-                            <a:rPr lang="en-US" altLang="zh-HK" sz="2200" i="1" smtClean="0">
-                              <a:latin typeface="Cambria Math" panose="02040503050406030204" pitchFamily="18" charset="0"/>
-                              <a:ea typeface="Cambria Math" panose="02040503050406030204" pitchFamily="18" charset="0"/>
-                            </a:rPr>
-                          </m:ctrlPr>
-                        </m:sSubPr>
-                        <m:e>
-                          <m:r>
-                            <a:rPr lang="en-US" altLang="zh-HK" sz="2200" i="1">
-                              <a:latin typeface="Cambria Math" panose="02040503050406030204" pitchFamily="18" charset="0"/>
-                              <a:ea typeface="Cambria Math" panose="02040503050406030204" pitchFamily="18" charset="0"/>
-                            </a:rPr>
-                            <m:t>ℱ</m:t>
-                          </m:r>
-                        </m:e>
-                        <m:sub>
-                          <m:r>
-                            <a:rPr lang="en-US" altLang="zh-HK" sz="2200" b="0" i="1" smtClean="0">
-                              <a:latin typeface="Cambria Math" panose="02040503050406030204" pitchFamily="18" charset="0"/>
-                              <a:ea typeface="Cambria Math" panose="02040503050406030204" pitchFamily="18" charset="0"/>
-                            </a:rPr>
-                            <m:t>𝑃</m:t>
-                          </m:r>
-                        </m:sub>
-                      </m:sSub>
-                      <m:d>
-                        <m:dPr>
-                          <m:ctrlPr>
-                            <a:rPr lang="en-US" altLang="zh-HK" sz="2200" b="0" i="1" smtClean="0">
-                              <a:latin typeface="Cambria Math" panose="02040503050406030204" pitchFamily="18" charset="0"/>
-                              <a:ea typeface="Cambria Math" panose="02040503050406030204" pitchFamily="18" charset="0"/>
-                            </a:rPr>
-                          </m:ctrlPr>
-                        </m:dPr>
-                        <m:e>
-                          <m:r>
-                            <a:rPr lang="en-US" altLang="zh-HK" sz="2200" b="1" i="0" smtClean="0">
-                              <a:latin typeface="Cambria Math" panose="02040503050406030204" pitchFamily="18" charset="0"/>
-                              <a:ea typeface="Cambria Math" panose="02040503050406030204" pitchFamily="18" charset="0"/>
-                            </a:rPr>
-                            <m:t>𝐪</m:t>
-                          </m:r>
-                        </m:e>
-                      </m:d>
-                      <m:r>
-                        <a:rPr lang="en-US" altLang="zh-HK" sz="2200" b="0" i="1" smtClean="0">
-                          <a:latin typeface="Cambria Math" panose="02040503050406030204" pitchFamily="18" charset="0"/>
-                          <a:ea typeface="Cambria Math" panose="02040503050406030204" pitchFamily="18" charset="0"/>
-                        </a:rPr>
-                        <m:t>=</m:t>
-                      </m:r>
-                      <m:nary>
-                        <m:naryPr>
-                          <m:chr m:val="∑"/>
-                          <m:supHide m:val="on"/>
-                          <m:ctrlPr>
-                            <a:rPr lang="en-US" altLang="zh-HK" sz="2200" b="0" i="1" smtClean="0">
-                              <a:latin typeface="Cambria Math" panose="02040503050406030204" pitchFamily="18" charset="0"/>
-                              <a:ea typeface="Cambria Math" panose="02040503050406030204" pitchFamily="18" charset="0"/>
-                            </a:rPr>
-                          </m:ctrlPr>
-                        </m:naryPr>
-                        <m:sub>
-                          <m:sSub>
-                            <m:sSubPr>
-                              <m:ctrlPr>
-                                <a:rPr lang="en-US" altLang="zh-HK" sz="2200" b="1" i="1" smtClean="0">
-                                  <a:latin typeface="Cambria Math" panose="02040503050406030204" pitchFamily="18" charset="0"/>
-                                  <a:ea typeface="Cambria Math" panose="02040503050406030204" pitchFamily="18" charset="0"/>
-                                </a:rPr>
-                              </m:ctrlPr>
-                            </m:sSubPr>
-                            <m:e>
-                              <m:r>
-                                <a:rPr lang="en-US" altLang="zh-HK" sz="2200" b="1" i="0" smtClean="0">
-                                  <a:latin typeface="Cambria Math" panose="02040503050406030204" pitchFamily="18" charset="0"/>
-                                  <a:ea typeface="Cambria Math" panose="02040503050406030204" pitchFamily="18" charset="0"/>
-                                </a:rPr>
-                                <m:t>𝐩</m:t>
-                              </m:r>
-                            </m:e>
-                            <m:sub>
-                              <m:r>
-                                <a:rPr lang="en-US" altLang="zh-HK" sz="2200" b="1" i="0" smtClean="0">
-                                  <a:latin typeface="Cambria Math" panose="02040503050406030204" pitchFamily="18" charset="0"/>
-                                  <a:ea typeface="Cambria Math" panose="02040503050406030204" pitchFamily="18" charset="0"/>
-                                </a:rPr>
-                                <m:t>𝐢</m:t>
-                              </m:r>
-                            </m:sub>
-                          </m:sSub>
-                          <m:r>
-                            <m:rPr>
-                              <m:brk m:alnAt="7"/>
-                            </m:rPr>
-                            <a:rPr lang="en-US" altLang="zh-HK" sz="2200" b="0" i="1" smtClean="0">
-                              <a:latin typeface="Cambria Math" panose="02040503050406030204" pitchFamily="18" charset="0"/>
-                              <a:ea typeface="Cambria Math" panose="02040503050406030204" pitchFamily="18" charset="0"/>
-                            </a:rPr>
-                            <m:t>∈</m:t>
-                          </m:r>
-                          <m:r>
-                            <a:rPr lang="en-US" altLang="zh-HK" sz="2200" b="0" i="1" smtClean="0">
-                              <a:latin typeface="Cambria Math" panose="02040503050406030204" pitchFamily="18" charset="0"/>
-                              <a:ea typeface="Cambria Math" panose="02040503050406030204" pitchFamily="18" charset="0"/>
-                            </a:rPr>
-                            <m:t>𝑃</m:t>
-                          </m:r>
-                        </m:sub>
-                        <m:sup/>
-                        <m:e>
-                          <m:sSub>
-                            <m:sSubPr>
-                              <m:ctrlPr>
-                                <a:rPr lang="en-US" altLang="zh-HK" sz="2200" b="0" i="1" smtClean="0">
-                                  <a:latin typeface="Cambria Math" panose="02040503050406030204" pitchFamily="18" charset="0"/>
-                                  <a:ea typeface="Cambria Math" panose="02040503050406030204" pitchFamily="18" charset="0"/>
-                                </a:rPr>
-                              </m:ctrlPr>
-                            </m:sSubPr>
-                            <m:e>
-                              <m:r>
-                                <a:rPr lang="en-US" altLang="zh-HK" sz="2200" b="0" i="1" smtClean="0">
-                                  <a:latin typeface="Cambria Math" panose="02040503050406030204" pitchFamily="18" charset="0"/>
-                                  <a:ea typeface="Cambria Math" panose="02040503050406030204" pitchFamily="18" charset="0"/>
-                                </a:rPr>
-                                <m:t>𝑤</m:t>
-                              </m:r>
-                            </m:e>
-                            <m:sub>
-                              <m:r>
-                                <a:rPr lang="en-US" altLang="zh-HK" sz="2200" b="0" i="1" smtClean="0">
-                                  <a:latin typeface="Cambria Math" panose="02040503050406030204" pitchFamily="18" charset="0"/>
-                                  <a:ea typeface="Cambria Math" panose="02040503050406030204" pitchFamily="18" charset="0"/>
-                                </a:rPr>
-                                <m:t>𝑖</m:t>
-                              </m:r>
-                            </m:sub>
-                          </m:sSub>
-                        </m:e>
-                      </m:nary>
-                      <m:r>
-                        <m:rPr>
-                          <m:sty m:val="p"/>
-                        </m:rPr>
-                        <a:rPr lang="en-US" altLang="zh-HK" sz="2200" b="0" i="0" smtClean="0">
-                          <a:latin typeface="Cambria Math" panose="02040503050406030204" pitchFamily="18" charset="0"/>
-                          <a:ea typeface="Cambria Math" panose="02040503050406030204" pitchFamily="18" charset="0"/>
-                        </a:rPr>
-                        <m:t>exp</m:t>
-                      </m:r>
-                      <m:r>
-                        <a:rPr lang="en-US" altLang="zh-HK" sz="2200" b="0" i="1" smtClean="0">
-                          <a:latin typeface="Cambria Math" panose="02040503050406030204" pitchFamily="18" charset="0"/>
-                          <a:ea typeface="Cambria Math" panose="02040503050406030204" pitchFamily="18" charset="0"/>
-                        </a:rPr>
-                        <m:t>⁡(−</m:t>
-                      </m:r>
-                      <m:r>
-                        <a:rPr lang="zh-HK" altLang="en-US" sz="2200" b="0" i="1" smtClean="0">
-                          <a:latin typeface="Cambria Math" panose="02040503050406030204" pitchFamily="18" charset="0"/>
-                          <a:ea typeface="Cambria Math" panose="02040503050406030204" pitchFamily="18" charset="0"/>
-                        </a:rPr>
-                        <m:t>𝛾</m:t>
-                      </m:r>
-                      <m:sSup>
-                        <m:sSupPr>
-                          <m:ctrlPr>
-                            <a:rPr lang="en-US" altLang="zh-HK" sz="2200" b="0" i="1" smtClean="0">
-                              <a:latin typeface="Cambria Math" panose="02040503050406030204" pitchFamily="18" charset="0"/>
-                              <a:ea typeface="Cambria Math" panose="02040503050406030204" pitchFamily="18" charset="0"/>
-                            </a:rPr>
-                          </m:ctrlPr>
-                        </m:sSupPr>
-                        <m:e>
-                          <m:r>
-                            <a:rPr lang="en-US" altLang="zh-HK" sz="2200" i="1">
-                              <a:latin typeface="Cambria Math" panose="02040503050406030204" pitchFamily="18" charset="0"/>
-                              <a:ea typeface="Cambria Math" panose="02040503050406030204" pitchFamily="18" charset="0"/>
-                            </a:rPr>
-                            <m:t>∙</m:t>
-                          </m:r>
-                          <m:r>
-                            <a:rPr lang="en-US" altLang="zh-HK" sz="2200" i="1">
-                              <a:latin typeface="Cambria Math" panose="02040503050406030204" pitchFamily="18" charset="0"/>
-                              <a:ea typeface="Cambria Math" panose="02040503050406030204" pitchFamily="18" charset="0"/>
-                            </a:rPr>
-                            <m:t>𝑑𝑖𝑠𝑡</m:t>
-                          </m:r>
-                          <m:d>
-                            <m:dPr>
-                              <m:ctrlPr>
-                                <a:rPr lang="en-US" altLang="zh-HK" sz="2200" i="1">
-                                  <a:latin typeface="Cambria Math" panose="02040503050406030204" pitchFamily="18" charset="0"/>
-                                  <a:ea typeface="Cambria Math" panose="02040503050406030204" pitchFamily="18" charset="0"/>
-                                </a:rPr>
-                              </m:ctrlPr>
-                            </m:dPr>
-                            <m:e>
-                              <m:r>
-                                <a:rPr lang="en-US" altLang="zh-HK" sz="2200" b="1">
-                                  <a:latin typeface="Cambria Math" panose="02040503050406030204" pitchFamily="18" charset="0"/>
-                                  <a:ea typeface="Cambria Math" panose="02040503050406030204" pitchFamily="18" charset="0"/>
-                                </a:rPr>
-                                <m:t>𝐪</m:t>
-                              </m:r>
-                              <m:r>
-                                <a:rPr lang="en-US" altLang="zh-HK" sz="2200" i="1">
-                                  <a:latin typeface="Cambria Math" panose="02040503050406030204" pitchFamily="18" charset="0"/>
-                                  <a:ea typeface="Cambria Math" panose="02040503050406030204" pitchFamily="18" charset="0"/>
-                                </a:rPr>
-                                <m:t>,</m:t>
-                              </m:r>
-                              <m:sSub>
-                                <m:sSubPr>
-                                  <m:ctrlPr>
-                                    <a:rPr lang="en-US" altLang="zh-HK" sz="2200" b="1" i="1">
-                                      <a:latin typeface="Cambria Math" panose="02040503050406030204" pitchFamily="18" charset="0"/>
-                                      <a:ea typeface="Cambria Math" panose="02040503050406030204" pitchFamily="18" charset="0"/>
-                                    </a:rPr>
-                                  </m:ctrlPr>
-                                </m:sSubPr>
-                                <m:e>
-                                  <m:r>
-                                    <a:rPr lang="en-US" altLang="zh-HK" sz="2200" b="1">
-                                      <a:latin typeface="Cambria Math" panose="02040503050406030204" pitchFamily="18" charset="0"/>
-                                      <a:ea typeface="Cambria Math" panose="02040503050406030204" pitchFamily="18" charset="0"/>
-                                    </a:rPr>
-                                    <m:t>𝐩</m:t>
-                                  </m:r>
-                                </m:e>
-                                <m:sub>
-                                  <m:r>
-                                    <a:rPr lang="en-US" altLang="zh-HK" sz="2200" b="1">
-                                      <a:latin typeface="Cambria Math" panose="02040503050406030204" pitchFamily="18" charset="0"/>
-                                      <a:ea typeface="Cambria Math" panose="02040503050406030204" pitchFamily="18" charset="0"/>
-                                    </a:rPr>
-                                    <m:t>𝐢</m:t>
-                                  </m:r>
-                                </m:sub>
-                              </m:sSub>
-                            </m:e>
-                          </m:d>
-                        </m:e>
-                        <m:sup>
-                          <m:r>
-                            <a:rPr lang="en-US" altLang="zh-HK" sz="2200" b="0" i="1" smtClean="0">
-                              <a:latin typeface="Cambria Math" panose="02040503050406030204" pitchFamily="18" charset="0"/>
-                              <a:ea typeface="Cambria Math" panose="02040503050406030204" pitchFamily="18" charset="0"/>
-                            </a:rPr>
-                            <m:t>2</m:t>
-                          </m:r>
-                        </m:sup>
-                      </m:sSup>
-                      <m:r>
-                        <a:rPr lang="en-US" altLang="zh-HK" sz="2200" b="0" i="1" smtClean="0">
-                          <a:latin typeface="Cambria Math" panose="02040503050406030204" pitchFamily="18" charset="0"/>
-                          <a:ea typeface="Cambria Math" panose="02040503050406030204" pitchFamily="18" charset="0"/>
-                        </a:rPr>
-                        <m:t>)</m:t>
-                      </m:r>
-                    </m:oMath>
-                  </m:oMathPara>
-                </a14:m>
-                <a:endParaRPr lang="zh-HK" altLang="en-US" sz="2200" dirty="0"/>
-              </a:p>
-            </p:txBody>
-          </p:sp>
-        </mc:Choice>
-        <mc:Fallback xmlns="">
-          <p:sp>
-            <p:nvSpPr>
-              <p:cNvPr id="9" name="TextBox 8">
-                <a:extLst>
-                  <a:ext uri="{FF2B5EF4-FFF2-40B4-BE49-F238E27FC236}">
-                    <a16:creationId xmlns:a16="http://schemas.microsoft.com/office/drawing/2014/main" id="{E4E44C7D-8344-407B-9046-26C930F69813}"/>
-                  </a:ext>
-                </a:extLst>
-              </p:cNvPr>
-              <p:cNvSpPr txBox="1">
-                <a:spLocks noRot="1" noChangeAspect="1" noMove="1" noResize="1" noEditPoints="1" noAdjustHandles="1" noChangeArrowheads="1" noChangeShapeType="1" noTextEdit="1"/>
-              </p:cNvSpPr>
-              <p:nvPr/>
-            </p:nvSpPr>
-            <p:spPr>
-              <a:xfrm>
-                <a:off x="2506359" y="4746864"/>
-                <a:ext cx="4639090" cy="862929"/>
-              </a:xfrm>
-              <a:prstGeom prst="rect">
-                <a:avLst/>
-              </a:prstGeom>
-              <a:blipFill>
-                <a:blip r:embed="rId2"/>
-                <a:stretch>
-                  <a:fillRect/>
-                </a:stretch>
-              </a:blipFill>
-            </p:spPr>
-            <p:txBody>
-              <a:bodyPr/>
-              <a:lstStyle/>
-              <a:p>
-                <a:r>
-                  <a:rPr lang="zh-HK" altLang="en-US">
-                    <a:noFill/>
-                  </a:rPr>
-                  <a:t> </a:t>
-                </a:r>
-              </a:p>
-            </p:txBody>
-          </p:sp>
-        </mc:Fallback>
-      </mc:AlternateContent>
     </p:spTree>
     <p:extLst>
       <p:ext uri="{BB962C8B-B14F-4D97-AF65-F5344CB8AC3E}">
